--- a/255Project- Used Cars.pptx
+++ b/255Project- Used Cars.pptx
@@ -39,15 +39,17 @@
     <p:sldId id="284" r:id="rId34"/>
     <p:sldId id="285" r:id="rId35"/>
     <p:sldId id="286" r:id="rId36"/>
+    <p:sldId id="287" r:id="rId37"/>
+    <p:sldId id="288" r:id="rId38"/>
   </p:sldIdLst>
   <p:sldSz cy="5143500" cx="9144000"/>
   <p:notesSz cx="6858000" cy="9144000"/>
   <p:embeddedFontLst>
     <p:embeddedFont>
       <p:font typeface="Old Standard TT"/>
-      <p:regular r:id="rId37"/>
-      <p:bold r:id="rId38"/>
-      <p:italic r:id="rId39"/>
+      <p:regular r:id="rId39"/>
+      <p:bold r:id="rId40"/>
+      <p:italic r:id="rId41"/>
     </p:embeddedFont>
   </p:embeddedFontLst>
   <p:defaultTextStyle>
@@ -1026,7 +1028,7 @@
   <p:cSld>
     <p:spTree>
       <p:nvGrpSpPr>
-        <p:cNvPr id="128" name="Shape 128"/>
+        <p:cNvPr id="127" name="Shape 127"/>
         <p:cNvGrpSpPr/>
         <p:nvPr/>
       </p:nvGrpSpPr>
@@ -1040,7 +1042,7 @@
       </p:grpSpPr>
       <p:sp>
         <p:nvSpPr>
-          <p:cNvPr id="129" name="Google Shape;129;gd3d9e42083_0_1033:notes"/>
+          <p:cNvPr id="128" name="Google Shape;128;gd3d9e42083_0_1033:notes"/>
           <p:cNvSpPr/>
           <p:nvPr>
             <p:ph idx="2" type="sldImg"/>
@@ -1075,7 +1077,7 @@
       </p:sp>
       <p:sp>
         <p:nvSpPr>
-          <p:cNvPr id="130" name="Google Shape;130;gd3d9e42083_0_1033:notes"/>
+          <p:cNvPr id="129" name="Google Shape;129;gd3d9e42083_0_1033:notes"/>
           <p:cNvSpPr txBox="1"/>
           <p:nvPr>
             <p:ph idx="1" type="body"/>
@@ -1125,7 +1127,7 @@
   <p:cSld>
     <p:spTree>
       <p:nvGrpSpPr>
-        <p:cNvPr id="135" name="Shape 135"/>
+        <p:cNvPr id="134" name="Shape 134"/>
         <p:cNvGrpSpPr/>
         <p:nvPr/>
       </p:nvGrpSpPr>
@@ -1139,7 +1141,7 @@
       </p:grpSpPr>
       <p:sp>
         <p:nvSpPr>
-          <p:cNvPr id="136" name="Google Shape;136;gd3d9e42083_0_1117:notes"/>
+          <p:cNvPr id="135" name="Google Shape;135;gd3d9e42083_0_1117:notes"/>
           <p:cNvSpPr/>
           <p:nvPr>
             <p:ph idx="2" type="sldImg"/>
@@ -1174,7 +1176,7 @@
       </p:sp>
       <p:sp>
         <p:nvSpPr>
-          <p:cNvPr id="137" name="Google Shape;137;gd3d9e42083_0_1117:notes"/>
+          <p:cNvPr id="136" name="Google Shape;136;gd3d9e42083_0_1117:notes"/>
           <p:cNvSpPr txBox="1"/>
           <p:nvPr>
             <p:ph idx="1" type="body"/>
@@ -1224,7 +1226,7 @@
   <p:cSld>
     <p:spTree>
       <p:nvGrpSpPr>
-        <p:cNvPr id="141" name="Shape 141"/>
+        <p:cNvPr id="140" name="Shape 140"/>
         <p:cNvGrpSpPr/>
         <p:nvPr/>
       </p:nvGrpSpPr>
@@ -1238,7 +1240,7 @@
       </p:grpSpPr>
       <p:sp>
         <p:nvSpPr>
-          <p:cNvPr id="142" name="Google Shape;142;gd3d9e42083_0_1023:notes"/>
+          <p:cNvPr id="141" name="Google Shape;141;gd3d9e42083_0_1023:notes"/>
           <p:cNvSpPr/>
           <p:nvPr>
             <p:ph idx="2" type="sldImg"/>
@@ -1273,7 +1275,7 @@
       </p:sp>
       <p:sp>
         <p:nvSpPr>
-          <p:cNvPr id="143" name="Google Shape;143;gd3d9e42083_0_1023:notes"/>
+          <p:cNvPr id="142" name="Google Shape;142;gd3d9e42083_0_1023:notes"/>
           <p:cNvSpPr txBox="1"/>
           <p:nvPr>
             <p:ph idx="1" type="body"/>
@@ -1323,7 +1325,7 @@
   <p:cSld>
     <p:spTree>
       <p:nvGrpSpPr>
-        <p:cNvPr id="148" name="Shape 148"/>
+        <p:cNvPr id="147" name="Shape 147"/>
         <p:cNvGrpSpPr/>
         <p:nvPr/>
       </p:nvGrpSpPr>
@@ -1337,7 +1339,7 @@
       </p:grpSpPr>
       <p:sp>
         <p:nvSpPr>
-          <p:cNvPr id="149" name="Google Shape;149;gd3d9e42083_0_1028:notes"/>
+          <p:cNvPr id="148" name="Google Shape;148;gd3d9e42083_0_1028:notes"/>
           <p:cNvSpPr/>
           <p:nvPr>
             <p:ph idx="2" type="sldImg"/>
@@ -1372,7 +1374,7 @@
       </p:sp>
       <p:sp>
         <p:nvSpPr>
-          <p:cNvPr id="150" name="Google Shape;150;gd3d9e42083_0_1028:notes"/>
+          <p:cNvPr id="149" name="Google Shape;149;gd3d9e42083_0_1028:notes"/>
           <p:cNvSpPr txBox="1"/>
           <p:nvPr>
             <p:ph idx="1" type="body"/>
@@ -1422,7 +1424,7 @@
   <p:cSld>
     <p:spTree>
       <p:nvGrpSpPr>
-        <p:cNvPr id="155" name="Shape 155"/>
+        <p:cNvPr id="154" name="Shape 154"/>
         <p:cNvGrpSpPr/>
         <p:nvPr/>
       </p:nvGrpSpPr>
@@ -1436,7 +1438,7 @@
       </p:grpSpPr>
       <p:sp>
         <p:nvSpPr>
-          <p:cNvPr id="156" name="Google Shape;156;gd847c7619f_1_0:notes"/>
+          <p:cNvPr id="155" name="Google Shape;155;gd3d9e42083_0_1058:notes"/>
           <p:cNvSpPr/>
           <p:nvPr>
             <p:ph idx="2" type="sldImg"/>
@@ -1471,7 +1473,7 @@
       </p:sp>
       <p:sp>
         <p:nvSpPr>
-          <p:cNvPr id="157" name="Google Shape;157;gd847c7619f_1_0:notes"/>
+          <p:cNvPr id="156" name="Google Shape;156;gd3d9e42083_0_1058:notes"/>
           <p:cNvSpPr txBox="1"/>
           <p:nvPr>
             <p:ph idx="1" type="body"/>
@@ -1521,7 +1523,7 @@
   <p:cSld>
     <p:spTree>
       <p:nvGrpSpPr>
-        <p:cNvPr id="162" name="Shape 162"/>
+        <p:cNvPr id="161" name="Shape 161"/>
         <p:cNvGrpSpPr/>
         <p:nvPr/>
       </p:nvGrpSpPr>
@@ -1535,7 +1537,7 @@
       </p:grpSpPr>
       <p:sp>
         <p:nvSpPr>
-          <p:cNvPr id="163" name="Google Shape;163;gd3d9e42083_0_1058:notes"/>
+          <p:cNvPr id="162" name="Google Shape;162;gd3d9e42083_0_1038:notes"/>
           <p:cNvSpPr/>
           <p:nvPr>
             <p:ph idx="2" type="sldImg"/>
@@ -1570,7 +1572,7 @@
       </p:sp>
       <p:sp>
         <p:nvSpPr>
-          <p:cNvPr id="164" name="Google Shape;164;gd3d9e42083_0_1058:notes"/>
+          <p:cNvPr id="163" name="Google Shape;163;gd3d9e42083_0_1038:notes"/>
           <p:cNvSpPr txBox="1"/>
           <p:nvPr>
             <p:ph idx="1" type="body"/>
@@ -1620,7 +1622,7 @@
   <p:cSld>
     <p:spTree>
       <p:nvGrpSpPr>
-        <p:cNvPr id="169" name="Shape 169"/>
+        <p:cNvPr id="168" name="Shape 168"/>
         <p:cNvGrpSpPr/>
         <p:nvPr/>
       </p:nvGrpSpPr>
@@ -1634,7 +1636,7 @@
       </p:grpSpPr>
       <p:sp>
         <p:nvSpPr>
-          <p:cNvPr id="170" name="Google Shape;170;gd3d9e42083_0_1038:notes"/>
+          <p:cNvPr id="169" name="Google Shape;169;gd3d9e42083_0_1080:notes"/>
           <p:cNvSpPr/>
           <p:nvPr>
             <p:ph idx="2" type="sldImg"/>
@@ -1669,7 +1671,7 @@
       </p:sp>
       <p:sp>
         <p:nvSpPr>
-          <p:cNvPr id="171" name="Google Shape;171;gd3d9e42083_0_1038:notes"/>
+          <p:cNvPr id="170" name="Google Shape;170;gd3d9e42083_0_1080:notes"/>
           <p:cNvSpPr txBox="1"/>
           <p:nvPr>
             <p:ph idx="1" type="body"/>
@@ -1719,7 +1721,7 @@
   <p:cSld>
     <p:spTree>
       <p:nvGrpSpPr>
-        <p:cNvPr id="176" name="Shape 176"/>
+        <p:cNvPr id="173" name="Shape 173"/>
         <p:cNvGrpSpPr/>
         <p:nvPr/>
       </p:nvGrpSpPr>
@@ -1733,7 +1735,7 @@
       </p:grpSpPr>
       <p:sp>
         <p:nvSpPr>
-          <p:cNvPr id="177" name="Google Shape;177;gd3d9e42083_0_1080:notes"/>
+          <p:cNvPr id="174" name="Google Shape;174;gd3d9e42083_0_1085:notes"/>
           <p:cNvSpPr/>
           <p:nvPr>
             <p:ph idx="2" type="sldImg"/>
@@ -1768,7 +1770,7 @@
       </p:sp>
       <p:sp>
         <p:nvSpPr>
-          <p:cNvPr id="178" name="Google Shape;178;gd3d9e42083_0_1080:notes"/>
+          <p:cNvPr id="175" name="Google Shape;175;gd3d9e42083_0_1085:notes"/>
           <p:cNvSpPr txBox="1"/>
           <p:nvPr>
             <p:ph idx="1" type="body"/>
@@ -1917,7 +1919,7 @@
   <p:cSld>
     <p:spTree>
       <p:nvGrpSpPr>
-        <p:cNvPr id="181" name="Shape 181"/>
+        <p:cNvPr id="179" name="Shape 179"/>
         <p:cNvGrpSpPr/>
         <p:nvPr/>
       </p:nvGrpSpPr>
@@ -1931,7 +1933,7 @@
       </p:grpSpPr>
       <p:sp>
         <p:nvSpPr>
-          <p:cNvPr id="182" name="Google Shape;182;gd3d9e42083_0_1085:notes"/>
+          <p:cNvPr id="180" name="Google Shape;180;gd3d9e42083_0_1090:notes"/>
           <p:cNvSpPr/>
           <p:nvPr>
             <p:ph idx="2" type="sldImg"/>
@@ -1966,7 +1968,7 @@
       </p:sp>
       <p:sp>
         <p:nvSpPr>
-          <p:cNvPr id="183" name="Google Shape;183;gd3d9e42083_0_1085:notes"/>
+          <p:cNvPr id="181" name="Google Shape;181;gd3d9e42083_0_1090:notes"/>
           <p:cNvSpPr txBox="1"/>
           <p:nvPr>
             <p:ph idx="1" type="body"/>
@@ -2016,7 +2018,7 @@
   <p:cSld>
     <p:spTree>
       <p:nvGrpSpPr>
-        <p:cNvPr id="187" name="Shape 187"/>
+        <p:cNvPr id="186" name="Shape 186"/>
         <p:cNvGrpSpPr/>
         <p:nvPr/>
       </p:nvGrpSpPr>
@@ -2030,7 +2032,7 @@
       </p:grpSpPr>
       <p:sp>
         <p:nvSpPr>
-          <p:cNvPr id="188" name="Google Shape;188;gd3d9e42083_0_1090:notes"/>
+          <p:cNvPr id="187" name="Google Shape;187;gd3d9e42083_0_1124:notes"/>
           <p:cNvSpPr/>
           <p:nvPr>
             <p:ph idx="2" type="sldImg"/>
@@ -2065,7 +2067,7 @@
       </p:sp>
       <p:sp>
         <p:nvSpPr>
-          <p:cNvPr id="189" name="Google Shape;189;gd3d9e42083_0_1090:notes"/>
+          <p:cNvPr id="188" name="Google Shape;188;gd3d9e42083_0_1124:notes"/>
           <p:cNvSpPr txBox="1"/>
           <p:nvPr>
             <p:ph idx="1" type="body"/>
@@ -2115,7 +2117,7 @@
   <p:cSld>
     <p:spTree>
       <p:nvGrpSpPr>
-        <p:cNvPr id="194" name="Shape 194"/>
+        <p:cNvPr id="192" name="Shape 192"/>
         <p:cNvGrpSpPr/>
         <p:nvPr/>
       </p:nvGrpSpPr>
@@ -2129,7 +2131,7 @@
       </p:grpSpPr>
       <p:sp>
         <p:nvSpPr>
-          <p:cNvPr id="195" name="Google Shape;195;gd3d9e42083_0_1124:notes"/>
+          <p:cNvPr id="193" name="Google Shape;193;gd3d9e42083_0_1099:notes"/>
           <p:cNvSpPr/>
           <p:nvPr>
             <p:ph idx="2" type="sldImg"/>
@@ -2164,7 +2166,7 @@
       </p:sp>
       <p:sp>
         <p:nvSpPr>
-          <p:cNvPr id="196" name="Google Shape;196;gd3d9e42083_0_1124:notes"/>
+          <p:cNvPr id="194" name="Google Shape;194;gd3d9e42083_0_1099:notes"/>
           <p:cNvSpPr txBox="1"/>
           <p:nvPr>
             <p:ph idx="1" type="body"/>
@@ -2214,7 +2216,7 @@
   <p:cSld>
     <p:spTree>
       <p:nvGrpSpPr>
-        <p:cNvPr id="200" name="Shape 200"/>
+        <p:cNvPr id="199" name="Shape 199"/>
         <p:cNvGrpSpPr/>
         <p:nvPr/>
       </p:nvGrpSpPr>
@@ -2228,7 +2230,7 @@
       </p:grpSpPr>
       <p:sp>
         <p:nvSpPr>
-          <p:cNvPr id="201" name="Google Shape;201;gd3d9e42083_0_1099:notes"/>
+          <p:cNvPr id="200" name="Google Shape;200;gd3d9e42083_0_1167:notes"/>
           <p:cNvSpPr/>
           <p:nvPr>
             <p:ph idx="2" type="sldImg"/>
@@ -2263,7 +2265,7 @@
       </p:sp>
       <p:sp>
         <p:nvSpPr>
-          <p:cNvPr id="202" name="Google Shape;202;gd3d9e42083_0_1099:notes"/>
+          <p:cNvPr id="201" name="Google Shape;201;gd3d9e42083_0_1167:notes"/>
           <p:cNvSpPr txBox="1"/>
           <p:nvPr>
             <p:ph idx="1" type="body"/>
@@ -2313,7 +2315,7 @@
   <p:cSld>
     <p:spTree>
       <p:nvGrpSpPr>
-        <p:cNvPr id="207" name="Shape 207"/>
+        <p:cNvPr id="206" name="Shape 206"/>
         <p:cNvGrpSpPr/>
         <p:nvPr/>
       </p:nvGrpSpPr>
@@ -2327,7 +2329,7 @@
       </p:grpSpPr>
       <p:sp>
         <p:nvSpPr>
-          <p:cNvPr id="208" name="Google Shape;208;gd3d9e42083_0_1167:notes"/>
+          <p:cNvPr id="207" name="Google Shape;207;gd3d9e42083_0_1139:notes"/>
           <p:cNvSpPr/>
           <p:nvPr>
             <p:ph idx="2" type="sldImg"/>
@@ -2362,7 +2364,7 @@
       </p:sp>
       <p:sp>
         <p:nvSpPr>
-          <p:cNvPr id="209" name="Google Shape;209;gd3d9e42083_0_1167:notes"/>
+          <p:cNvPr id="208" name="Google Shape;208;gd3d9e42083_0_1139:notes"/>
           <p:cNvSpPr txBox="1"/>
           <p:nvPr>
             <p:ph idx="1" type="body"/>
@@ -2412,7 +2414,7 @@
   <p:cSld>
     <p:spTree>
       <p:nvGrpSpPr>
-        <p:cNvPr id="214" name="Shape 214"/>
+        <p:cNvPr id="211" name="Shape 211"/>
         <p:cNvGrpSpPr/>
         <p:nvPr/>
       </p:nvGrpSpPr>
@@ -2426,7 +2428,7 @@
       </p:grpSpPr>
       <p:sp>
         <p:nvSpPr>
-          <p:cNvPr id="215" name="Google Shape;215;gd3d9e42083_0_1139:notes"/>
+          <p:cNvPr id="212" name="Google Shape;212;gd3d9e42083_0_1144:notes"/>
           <p:cNvSpPr/>
           <p:nvPr>
             <p:ph idx="2" type="sldImg"/>
@@ -2461,7 +2463,7 @@
       </p:sp>
       <p:sp>
         <p:nvSpPr>
-          <p:cNvPr id="216" name="Google Shape;216;gd3d9e42083_0_1139:notes"/>
+          <p:cNvPr id="213" name="Google Shape;213;gd3d9e42083_0_1144:notes"/>
           <p:cNvSpPr txBox="1"/>
           <p:nvPr>
             <p:ph idx="1" type="body"/>
@@ -2511,7 +2513,7 @@
   <p:cSld>
     <p:spTree>
       <p:nvGrpSpPr>
-        <p:cNvPr id="219" name="Shape 219"/>
+        <p:cNvPr id="218" name="Shape 218"/>
         <p:cNvGrpSpPr/>
         <p:nvPr/>
       </p:nvGrpSpPr>
@@ -2525,7 +2527,7 @@
       </p:grpSpPr>
       <p:sp>
         <p:nvSpPr>
-          <p:cNvPr id="220" name="Google Shape;220;gd3d9e42083_0_1144:notes"/>
+          <p:cNvPr id="219" name="Google Shape;219;gd3d9e42083_0_1218:notes"/>
           <p:cNvSpPr/>
           <p:nvPr>
             <p:ph idx="2" type="sldImg"/>
@@ -2560,7 +2562,7 @@
       </p:sp>
       <p:sp>
         <p:nvSpPr>
-          <p:cNvPr id="221" name="Google Shape;221;gd3d9e42083_0_1144:notes"/>
+          <p:cNvPr id="220" name="Google Shape;220;gd3d9e42083_0_1218:notes"/>
           <p:cNvSpPr txBox="1"/>
           <p:nvPr>
             <p:ph idx="1" type="body"/>
@@ -2610,7 +2612,7 @@
   <p:cSld>
     <p:spTree>
       <p:nvGrpSpPr>
-        <p:cNvPr id="226" name="Shape 226"/>
+        <p:cNvPr id="224" name="Shape 224"/>
         <p:cNvGrpSpPr/>
         <p:nvPr/>
       </p:nvGrpSpPr>
@@ -2624,7 +2626,7 @@
       </p:grpSpPr>
       <p:sp>
         <p:nvSpPr>
-          <p:cNvPr id="227" name="Google Shape;227;gd3d9e42083_0_1218:notes"/>
+          <p:cNvPr id="225" name="Google Shape;225;gd3d9e42083_0_1212:notes"/>
           <p:cNvSpPr/>
           <p:nvPr>
             <p:ph idx="2" type="sldImg"/>
@@ -2659,7 +2661,7 @@
       </p:sp>
       <p:sp>
         <p:nvSpPr>
-          <p:cNvPr id="228" name="Google Shape;228;gd3d9e42083_0_1218:notes"/>
+          <p:cNvPr id="226" name="Google Shape;226;gd3d9e42083_0_1212:notes"/>
           <p:cNvSpPr txBox="1"/>
           <p:nvPr>
             <p:ph idx="1" type="body"/>
@@ -2709,7 +2711,7 @@
   <p:cSld>
     <p:spTree>
       <p:nvGrpSpPr>
-        <p:cNvPr id="233" name="Shape 233"/>
+        <p:cNvPr id="230" name="Shape 230"/>
         <p:cNvGrpSpPr/>
         <p:nvPr/>
       </p:nvGrpSpPr>
@@ -2723,7 +2725,7 @@
       </p:grpSpPr>
       <p:sp>
         <p:nvSpPr>
-          <p:cNvPr id="234" name="Google Shape;234;gd3d9e42083_0_1159:notes"/>
+          <p:cNvPr id="231" name="Google Shape;231;gda0ac9e345_0_0:notes"/>
           <p:cNvSpPr/>
           <p:nvPr>
             <p:ph idx="2" type="sldImg"/>
@@ -2758,7 +2760,7 @@
       </p:sp>
       <p:sp>
         <p:nvSpPr>
-          <p:cNvPr id="235" name="Google Shape;235;gd3d9e42083_0_1159:notes"/>
+          <p:cNvPr id="232" name="Google Shape;232;gda0ac9e345_0_0:notes"/>
           <p:cNvSpPr txBox="1"/>
           <p:nvPr>
             <p:ph idx="1" type="body"/>
@@ -2808,7 +2810,7 @@
   <p:cSld>
     <p:spTree>
       <p:nvGrpSpPr>
-        <p:cNvPr id="240" name="Shape 240"/>
+        <p:cNvPr id="236" name="Shape 236"/>
         <p:cNvGrpSpPr/>
         <p:nvPr/>
       </p:nvGrpSpPr>
@@ -2822,7 +2824,7 @@
       </p:grpSpPr>
       <p:sp>
         <p:nvSpPr>
-          <p:cNvPr id="241" name="Google Shape;241;gd3d9e42083_0_1212:notes"/>
+          <p:cNvPr id="237" name="Google Shape;237;gd3d9e42083_0_1159:notes"/>
           <p:cNvSpPr/>
           <p:nvPr>
             <p:ph idx="2" type="sldImg"/>
@@ -2857,7 +2859,7 @@
       </p:sp>
       <p:sp>
         <p:nvSpPr>
-          <p:cNvPr id="242" name="Google Shape;242;gd3d9e42083_0_1212:notes"/>
+          <p:cNvPr id="238" name="Google Shape;238;gd3d9e42083_0_1159:notes"/>
           <p:cNvSpPr txBox="1"/>
           <p:nvPr>
             <p:ph idx="1" type="body"/>
@@ -3006,7 +3008,7 @@
   <p:cSld>
     <p:spTree>
       <p:nvGrpSpPr>
-        <p:cNvPr id="247" name="Shape 247"/>
+        <p:cNvPr id="243" name="Shape 243"/>
         <p:cNvGrpSpPr/>
         <p:nvPr/>
       </p:nvGrpSpPr>
@@ -3020,7 +3022,7 @@
       </p:grpSpPr>
       <p:sp>
         <p:nvSpPr>
-          <p:cNvPr id="248" name="Google Shape;248;gd3d9e42083_0_1206:notes"/>
+          <p:cNvPr id="244" name="Google Shape;244;gda0ac9e345_0_5:notes"/>
           <p:cNvSpPr/>
           <p:nvPr>
             <p:ph idx="2" type="sldImg"/>
@@ -3055,7 +3057,7 @@
       </p:sp>
       <p:sp>
         <p:nvSpPr>
-          <p:cNvPr id="249" name="Google Shape;249;gd3d9e42083_0_1206:notes"/>
+          <p:cNvPr id="245" name="Google Shape;245;gda0ac9e345_0_5:notes"/>
           <p:cNvSpPr txBox="1"/>
           <p:nvPr>
             <p:ph idx="1" type="body"/>
@@ -3105,7 +3107,7 @@
   <p:cSld>
     <p:spTree>
       <p:nvGrpSpPr>
-        <p:cNvPr id="253" name="Shape 253"/>
+        <p:cNvPr id="249" name="Shape 249"/>
         <p:cNvGrpSpPr/>
         <p:nvPr/>
       </p:nvGrpSpPr>
@@ -3119,7 +3121,7 @@
       </p:grpSpPr>
       <p:sp>
         <p:nvSpPr>
-          <p:cNvPr id="254" name="Google Shape;254;gd3d9e42083_0_1190:notes"/>
+          <p:cNvPr id="250" name="Google Shape;250;gda0ac9e345_0_14:notes"/>
           <p:cNvSpPr/>
           <p:nvPr>
             <p:ph idx="2" type="sldImg"/>
@@ -3154,7 +3156,205 @@
       </p:sp>
       <p:sp>
         <p:nvSpPr>
-          <p:cNvPr id="255" name="Google Shape;255;gd3d9e42083_0_1190:notes"/>
+          <p:cNvPr id="251" name="Google Shape;251;gda0ac9e345_0_14:notes"/>
+          <p:cNvSpPr txBox="1"/>
+          <p:nvPr>
+            <p:ph idx="1" type="body"/>
+          </p:nvPr>
+        </p:nvSpPr>
+        <p:spPr>
+          <a:xfrm>
+            <a:off x="685800" y="4343400"/>
+            <a:ext cx="5486400" cy="4114800"/>
+          </a:xfrm>
+          <a:prstGeom prst="rect">
+            <a:avLst/>
+          </a:prstGeom>
+        </p:spPr>
+        <p:txBody>
+          <a:bodyPr anchorCtr="0" anchor="t" bIns="91425" lIns="91425" spcFirstLastPara="1" rIns="91425" wrap="square" tIns="91425">
+            <a:noAutofit/>
+          </a:bodyPr>
+          <a:lstStyle/>
+          <a:p>
+            <a:pPr indent="0" lvl="0" marL="0" rtl="0" algn="l">
+              <a:spcBef>
+                <a:spcPts val="0"/>
+              </a:spcBef>
+              <a:spcAft>
+                <a:spcPts val="0"/>
+              </a:spcAft>
+              <a:buNone/>
+            </a:pPr>
+            <a:r>
+              <a:t/>
+            </a:r>
+            <a:endParaRPr/>
+          </a:p>
+        </p:txBody>
+      </p:sp>
+    </p:spTree>
+  </p:cSld>
+  <p:clrMapOvr>
+    <a:masterClrMapping/>
+  </p:clrMapOvr>
+</p:notes>
+</file>
+
+<file path=ppt/notesSlides/notesSlide32.xml><?xml version="1.0" encoding="utf-8"?>
+<p:notes xmlns:a="http://schemas.openxmlformats.org/drawingml/2006/main" xmlns:r="http://schemas.openxmlformats.org/officeDocument/2006/relationships" xmlns:mc="http://schemas.openxmlformats.org/markup-compatibility/2006" xmlns:mv="urn:schemas-microsoft-com:mac:vml" xmlns:p="http://schemas.openxmlformats.org/presentationml/2006/main" xmlns:c="http://schemas.openxmlformats.org/drawingml/2006/chart" xmlns:dgm="http://schemas.openxmlformats.org/drawingml/2006/diagram" xmlns:o="urn:schemas-microsoft-com:office:office" xmlns:v="urn:schemas-microsoft-com:vml" xmlns:pvml="urn:schemas-microsoft-com:office:powerpoint" xmlns:com="http://schemas.openxmlformats.org/drawingml/2006/compatibility" xmlns:p14="http://schemas.microsoft.com/office/powerpoint/2010/main" xmlns:p15="http://schemas.microsoft.com/office/powerpoint/2012/main" xmlns:ahyp="http://schemas.microsoft.com/office/drawing/2018/hyperlinkcolor" showMasterPhAnim="0" showMasterSp="0">
+  <p:cSld>
+    <p:spTree>
+      <p:nvGrpSpPr>
+        <p:cNvPr id="255" name="Shape 255"/>
+        <p:cNvGrpSpPr/>
+        <p:nvPr/>
+      </p:nvGrpSpPr>
+      <p:grpSpPr>
+        <a:xfrm>
+          <a:off x="0" y="0"/>
+          <a:ext cx="0" cy="0"/>
+          <a:chOff x="0" y="0"/>
+          <a:chExt cx="0" cy="0"/>
+        </a:xfrm>
+      </p:grpSpPr>
+      <p:sp>
+        <p:nvSpPr>
+          <p:cNvPr id="256" name="Google Shape;256;gd3d9e42083_0_1206:notes"/>
+          <p:cNvSpPr/>
+          <p:nvPr>
+            <p:ph idx="2" type="sldImg"/>
+          </p:nvPr>
+        </p:nvSpPr>
+        <p:spPr>
+          <a:xfrm>
+            <a:off x="381300" y="685800"/>
+            <a:ext cx="6096000" cy="3429000"/>
+          </a:xfrm>
+          <a:custGeom>
+            <a:rect b="b" l="l" r="r" t="t"/>
+            <a:pathLst>
+              <a:path extrusionOk="0" h="120000" w="120000">
+                <a:moveTo>
+                  <a:pt x="0" y="0"/>
+                </a:moveTo>
+                <a:lnTo>
+                  <a:pt x="120000" y="0"/>
+                </a:lnTo>
+                <a:lnTo>
+                  <a:pt x="120000" y="120000"/>
+                </a:lnTo>
+                <a:lnTo>
+                  <a:pt x="0" y="120000"/>
+                </a:lnTo>
+                <a:close/>
+              </a:path>
+            </a:pathLst>
+          </a:custGeom>
+        </p:spPr>
+      </p:sp>
+      <p:sp>
+        <p:nvSpPr>
+          <p:cNvPr id="257" name="Google Shape;257;gd3d9e42083_0_1206:notes"/>
+          <p:cNvSpPr txBox="1"/>
+          <p:nvPr>
+            <p:ph idx="1" type="body"/>
+          </p:nvPr>
+        </p:nvSpPr>
+        <p:spPr>
+          <a:xfrm>
+            <a:off x="685800" y="4343400"/>
+            <a:ext cx="5486400" cy="4114800"/>
+          </a:xfrm>
+          <a:prstGeom prst="rect">
+            <a:avLst/>
+          </a:prstGeom>
+        </p:spPr>
+        <p:txBody>
+          <a:bodyPr anchorCtr="0" anchor="t" bIns="91425" lIns="91425" spcFirstLastPara="1" rIns="91425" wrap="square" tIns="91425">
+            <a:noAutofit/>
+          </a:bodyPr>
+          <a:lstStyle/>
+          <a:p>
+            <a:pPr indent="0" lvl="0" marL="0" rtl="0" algn="l">
+              <a:spcBef>
+                <a:spcPts val="0"/>
+              </a:spcBef>
+              <a:spcAft>
+                <a:spcPts val="0"/>
+              </a:spcAft>
+              <a:buNone/>
+            </a:pPr>
+            <a:r>
+              <a:t/>
+            </a:r>
+            <a:endParaRPr/>
+          </a:p>
+        </p:txBody>
+      </p:sp>
+    </p:spTree>
+  </p:cSld>
+  <p:clrMapOvr>
+    <a:masterClrMapping/>
+  </p:clrMapOvr>
+</p:notes>
+</file>
+
+<file path=ppt/notesSlides/notesSlide33.xml><?xml version="1.0" encoding="utf-8"?>
+<p:notes xmlns:a="http://schemas.openxmlformats.org/drawingml/2006/main" xmlns:r="http://schemas.openxmlformats.org/officeDocument/2006/relationships" xmlns:mc="http://schemas.openxmlformats.org/markup-compatibility/2006" xmlns:mv="urn:schemas-microsoft-com:mac:vml" xmlns:p="http://schemas.openxmlformats.org/presentationml/2006/main" xmlns:c="http://schemas.openxmlformats.org/drawingml/2006/chart" xmlns:dgm="http://schemas.openxmlformats.org/drawingml/2006/diagram" xmlns:o="urn:schemas-microsoft-com:office:office" xmlns:v="urn:schemas-microsoft-com:vml" xmlns:pvml="urn:schemas-microsoft-com:office:powerpoint" xmlns:com="http://schemas.openxmlformats.org/drawingml/2006/compatibility" xmlns:p14="http://schemas.microsoft.com/office/powerpoint/2010/main" xmlns:p15="http://schemas.microsoft.com/office/powerpoint/2012/main" xmlns:ahyp="http://schemas.microsoft.com/office/drawing/2018/hyperlinkcolor" showMasterPhAnim="0" showMasterSp="0">
+  <p:cSld>
+    <p:spTree>
+      <p:nvGrpSpPr>
+        <p:cNvPr id="261" name="Shape 261"/>
+        <p:cNvGrpSpPr/>
+        <p:nvPr/>
+      </p:nvGrpSpPr>
+      <p:grpSpPr>
+        <a:xfrm>
+          <a:off x="0" y="0"/>
+          <a:ext cx="0" cy="0"/>
+          <a:chOff x="0" y="0"/>
+          <a:chExt cx="0" cy="0"/>
+        </a:xfrm>
+      </p:grpSpPr>
+      <p:sp>
+        <p:nvSpPr>
+          <p:cNvPr id="262" name="Google Shape;262;gd3d9e42083_0_1190:notes"/>
+          <p:cNvSpPr/>
+          <p:nvPr>
+            <p:ph idx="2" type="sldImg"/>
+          </p:nvPr>
+        </p:nvSpPr>
+        <p:spPr>
+          <a:xfrm>
+            <a:off x="381300" y="685800"/>
+            <a:ext cx="6096000" cy="3429000"/>
+          </a:xfrm>
+          <a:custGeom>
+            <a:rect b="b" l="l" r="r" t="t"/>
+            <a:pathLst>
+              <a:path extrusionOk="0" h="120000" w="120000">
+                <a:moveTo>
+                  <a:pt x="0" y="0"/>
+                </a:moveTo>
+                <a:lnTo>
+                  <a:pt x="120000" y="0"/>
+                </a:lnTo>
+                <a:lnTo>
+                  <a:pt x="120000" y="120000"/>
+                </a:lnTo>
+                <a:lnTo>
+                  <a:pt x="0" y="120000"/>
+                </a:lnTo>
+                <a:close/>
+              </a:path>
+            </a:pathLst>
+          </a:custGeom>
+        </p:spPr>
+      </p:sp>
+      <p:sp>
+        <p:nvSpPr>
+          <p:cNvPr id="263" name="Google Shape;263;gd3d9e42083_0_1190:notes"/>
           <p:cNvSpPr txBox="1"/>
           <p:nvPr>
             <p:ph idx="1" type="body"/>
@@ -9685,22 +9885,24 @@
         <p:nvSpPr>
           <p:cNvPr id="125" name="Google Shape;125;p23"/>
           <p:cNvSpPr txBox="1"/>
-          <p:nvPr>
-            <p:ph idx="1" type="body"/>
-          </p:nvPr>
-        </p:nvSpPr>
-        <p:spPr>
-          <a:xfrm>
-            <a:off x="311700" y="1171600"/>
-            <a:ext cx="8520600" cy="3397200"/>
+          <p:nvPr/>
+        </p:nvSpPr>
+        <p:spPr>
+          <a:xfrm>
+            <a:off x="5704000" y="1758450"/>
+            <a:ext cx="2593800" cy="769500"/>
           </a:xfrm>
           <a:prstGeom prst="rect">
             <a:avLst/>
           </a:prstGeom>
+          <a:noFill/>
+          <a:ln>
+            <a:noFill/>
+          </a:ln>
         </p:spPr>
         <p:txBody>
           <a:bodyPr anchorCtr="0" anchor="t" bIns="91425" lIns="91425" spcFirstLastPara="1" rIns="91425" wrap="square" tIns="91425">
-            <a:normAutofit/>
+            <a:spAutoFit/>
           </a:bodyPr>
           <a:lstStyle/>
           <a:p>
@@ -9709,14 +9911,34 @@
                 <a:spcPts val="0"/>
               </a:spcBef>
               <a:spcAft>
-                <a:spcPts val="1200"/>
-              </a:spcAft>
-              <a:buNone/>
-            </a:pPr>
-            <a:r>
-              <a:t/>
-            </a:r>
-            <a:endParaRPr/>
+                <a:spcPts val="0"/>
+              </a:spcAft>
+              <a:buNone/>
+            </a:pPr>
+            <a:r>
+              <a:rPr lang="en" sz="1900">
+                <a:latin typeface="Old Standard TT"/>
+                <a:ea typeface="Old Standard TT"/>
+                <a:cs typeface="Old Standard TT"/>
+                <a:sym typeface="Old Standard TT"/>
+              </a:rPr>
+              <a:t>Fair cars are more </a:t>
+            </a:r>
+            <a:r>
+              <a:rPr lang="en" sz="1900">
+                <a:latin typeface="Old Standard TT"/>
+                <a:ea typeface="Old Standard TT"/>
+                <a:cs typeface="Old Standard TT"/>
+                <a:sym typeface="Old Standard TT"/>
+              </a:rPr>
+              <a:t>expensive.</a:t>
+            </a:r>
+            <a:endParaRPr sz="1900">
+              <a:latin typeface="Old Standard TT"/>
+              <a:ea typeface="Old Standard TT"/>
+              <a:cs typeface="Old Standard TT"/>
+              <a:sym typeface="Old Standard TT"/>
+            </a:endParaRPr>
           </a:p>
         </p:txBody>
       </p:sp>
@@ -9736,8 +9958,8 @@
         </p:blipFill>
         <p:spPr>
           <a:xfrm>
-            <a:off x="311700" y="1348100"/>
-            <a:ext cx="5150325" cy="3059050"/>
+            <a:off x="152400" y="1199125"/>
+            <a:ext cx="5305425" cy="3714750"/>
           </a:xfrm>
           <a:prstGeom prst="rect">
             <a:avLst/>
@@ -9748,67 +9970,6 @@
           </a:ln>
         </p:spPr>
       </p:pic>
-      <p:sp>
-        <p:nvSpPr>
-          <p:cNvPr id="127" name="Google Shape;127;p23"/>
-          <p:cNvSpPr txBox="1"/>
-          <p:nvPr/>
-        </p:nvSpPr>
-        <p:spPr>
-          <a:xfrm>
-            <a:off x="5704000" y="1758450"/>
-            <a:ext cx="2593800" cy="769500"/>
-          </a:xfrm>
-          <a:prstGeom prst="rect">
-            <a:avLst/>
-          </a:prstGeom>
-          <a:noFill/>
-          <a:ln>
-            <a:noFill/>
-          </a:ln>
-        </p:spPr>
-        <p:txBody>
-          <a:bodyPr anchorCtr="0" anchor="t" bIns="91425" lIns="91425" spcFirstLastPara="1" rIns="91425" wrap="square" tIns="91425">
-            <a:spAutoFit/>
-          </a:bodyPr>
-          <a:lstStyle/>
-          <a:p>
-            <a:pPr indent="0" lvl="0" marL="0" rtl="0" algn="l">
-              <a:spcBef>
-                <a:spcPts val="0"/>
-              </a:spcBef>
-              <a:spcAft>
-                <a:spcPts val="0"/>
-              </a:spcAft>
-              <a:buNone/>
-            </a:pPr>
-            <a:r>
-              <a:rPr lang="en" sz="1900">
-                <a:latin typeface="Old Standard TT"/>
-                <a:ea typeface="Old Standard TT"/>
-                <a:cs typeface="Old Standard TT"/>
-                <a:sym typeface="Old Standard TT"/>
-              </a:rPr>
-              <a:t>Fair cars are more </a:t>
-            </a:r>
-            <a:r>
-              <a:rPr lang="en" sz="1900">
-                <a:latin typeface="Old Standard TT"/>
-                <a:ea typeface="Old Standard TT"/>
-                <a:cs typeface="Old Standard TT"/>
-                <a:sym typeface="Old Standard TT"/>
-              </a:rPr>
-              <a:t>expensive.</a:t>
-            </a:r>
-            <a:endParaRPr sz="1900">
-              <a:latin typeface="Old Standard TT"/>
-              <a:ea typeface="Old Standard TT"/>
-              <a:cs typeface="Old Standard TT"/>
-              <a:sym typeface="Old Standard TT"/>
-            </a:endParaRPr>
-          </a:p>
-        </p:txBody>
-      </p:sp>
     </p:spTree>
   </p:cSld>
   <p:clrMapOvr>
@@ -9822,7 +9983,7 @@
   <p:cSld>
     <p:spTree>
       <p:nvGrpSpPr>
-        <p:cNvPr id="131" name="Shape 131"/>
+        <p:cNvPr id="130" name="Shape 130"/>
         <p:cNvGrpSpPr/>
         <p:nvPr/>
       </p:nvGrpSpPr>
@@ -9836,7 +9997,7 @@
       </p:grpSpPr>
       <p:sp>
         <p:nvSpPr>
-          <p:cNvPr id="132" name="Google Shape;132;p24"/>
+          <p:cNvPr id="131" name="Google Shape;131;p24"/>
           <p:cNvSpPr txBox="1"/>
           <p:nvPr>
             <p:ph type="title"/>
@@ -9879,23 +10040,16 @@
           </a:p>
         </p:txBody>
       </p:sp>
-      <p:pic>
-        <p:nvPicPr>
-          <p:cNvPr id="133" name="Google Shape;133;p24"/>
-          <p:cNvPicPr preferRelativeResize="0"/>
+      <p:sp>
+        <p:nvSpPr>
+          <p:cNvPr id="132" name="Google Shape;132;p24"/>
+          <p:cNvSpPr txBox="1"/>
           <p:nvPr/>
-        </p:nvPicPr>
-        <p:blipFill rotWithShape="1">
-          <a:blip r:embed="rId3">
-            <a:alphaModFix/>
-          </a:blip>
-          <a:srcRect b="51271" l="483" r="49141" t="0"/>
-          <a:stretch/>
-        </p:blipFill>
-        <p:spPr>
-          <a:xfrm>
-            <a:off x="417650" y="1441925"/>
-            <a:ext cx="6835998" cy="3250975"/>
+        </p:nvSpPr>
+        <p:spPr>
+          <a:xfrm>
+            <a:off x="626450" y="879225"/>
+            <a:ext cx="5738400" cy="415500"/>
           </a:xfrm>
           <a:prstGeom prst="rect">
             <a:avLst/>
@@ -9905,17 +10059,57 @@
             <a:noFill/>
           </a:ln>
         </p:spPr>
-      </p:pic>
-      <p:sp>
-        <p:nvSpPr>
-          <p:cNvPr id="134" name="Google Shape;134;p24"/>
-          <p:cNvSpPr txBox="1"/>
+        <p:txBody>
+          <a:bodyPr anchorCtr="0" anchor="t" bIns="91425" lIns="91425" spcFirstLastPara="1" rIns="91425" wrap="square" tIns="91425">
+            <a:spAutoFit/>
+          </a:bodyPr>
+          <a:lstStyle/>
+          <a:p>
+            <a:pPr indent="0" lvl="0" marL="0" rtl="0" algn="l">
+              <a:spcBef>
+                <a:spcPts val="0"/>
+              </a:spcBef>
+              <a:spcAft>
+                <a:spcPts val="0"/>
+              </a:spcAft>
+              <a:buNone/>
+            </a:pPr>
+            <a:r>
+              <a:rPr lang="en" sz="1500">
+                <a:latin typeface="Old Standard TT"/>
+                <a:ea typeface="Old Standard TT"/>
+                <a:cs typeface="Old Standard TT"/>
+                <a:sym typeface="Old Standard TT"/>
+              </a:rPr>
+              <a:t>Sedan cars are listed for reselling more as compared to other </a:t>
+            </a:r>
+            <a:endParaRPr sz="1500">
+              <a:latin typeface="Old Standard TT"/>
+              <a:ea typeface="Old Standard TT"/>
+              <a:cs typeface="Old Standard TT"/>
+              <a:sym typeface="Old Standard TT"/>
+            </a:endParaRPr>
+          </a:p>
+        </p:txBody>
+      </p:sp>
+      <p:pic>
+        <p:nvPicPr>
+          <p:cNvPr id="133" name="Google Shape;133;p24"/>
+          <p:cNvPicPr preferRelativeResize="0"/>
           <p:nvPr/>
-        </p:nvSpPr>
-        <p:spPr>
-          <a:xfrm>
-            <a:off x="626450" y="879225"/>
-            <a:ext cx="5738400" cy="415500"/>
+        </p:nvPicPr>
+        <p:blipFill>
+          <a:blip r:embed="rId3">
+            <a:alphaModFix/>
+          </a:blip>
+          <a:stretch>
+            <a:fillRect/>
+          </a:stretch>
+        </p:blipFill>
+        <p:spPr>
+          <a:xfrm>
+            <a:off x="152400" y="1447125"/>
+            <a:ext cx="8728569" cy="3543974"/>
           </a:xfrm>
           <a:prstGeom prst="rect">
             <a:avLst/>
@@ -9925,39 +10119,7 @@
             <a:noFill/>
           </a:ln>
         </p:spPr>
-        <p:txBody>
-          <a:bodyPr anchorCtr="0" anchor="t" bIns="91425" lIns="91425" spcFirstLastPara="1" rIns="91425" wrap="square" tIns="91425">
-            <a:spAutoFit/>
-          </a:bodyPr>
-          <a:lstStyle/>
-          <a:p>
-            <a:pPr indent="0" lvl="0" marL="0" rtl="0" algn="l">
-              <a:spcBef>
-                <a:spcPts val="0"/>
-              </a:spcBef>
-              <a:spcAft>
-                <a:spcPts val="0"/>
-              </a:spcAft>
-              <a:buNone/>
-            </a:pPr>
-            <a:r>
-              <a:rPr lang="en" sz="1500">
-                <a:latin typeface="Old Standard TT"/>
-                <a:ea typeface="Old Standard TT"/>
-                <a:cs typeface="Old Standard TT"/>
-                <a:sym typeface="Old Standard TT"/>
-              </a:rPr>
-              <a:t>Sedan cars are listed for reselling more as compared to other </a:t>
-            </a:r>
-            <a:endParaRPr sz="1500">
-              <a:latin typeface="Old Standard TT"/>
-              <a:ea typeface="Old Standard TT"/>
-              <a:cs typeface="Old Standard TT"/>
-              <a:sym typeface="Old Standard TT"/>
-            </a:endParaRPr>
-          </a:p>
-        </p:txBody>
-      </p:sp>
+      </p:pic>
     </p:spTree>
   </p:cSld>
   <p:clrMapOvr>
@@ -9971,7 +10133,7 @@
   <p:cSld>
     <p:spTree>
       <p:nvGrpSpPr>
-        <p:cNvPr id="138" name="Shape 138"/>
+        <p:cNvPr id="137" name="Shape 137"/>
         <p:cNvGrpSpPr/>
         <p:nvPr/>
       </p:nvGrpSpPr>
@@ -9985,7 +10147,7 @@
       </p:grpSpPr>
       <p:sp>
         <p:nvSpPr>
-          <p:cNvPr id="139" name="Google Shape;139;p25"/>
+          <p:cNvPr id="138" name="Google Shape;138;p25"/>
           <p:cNvSpPr txBox="1"/>
           <p:nvPr>
             <p:ph type="title"/>
@@ -10025,7 +10187,7 @@
       </p:sp>
       <p:pic>
         <p:nvPicPr>
-          <p:cNvPr id="140" name="Google Shape;140;p25"/>
+          <p:cNvPr id="139" name="Google Shape;139;p25"/>
           <p:cNvPicPr preferRelativeResize="0"/>
           <p:nvPr/>
         </p:nvPicPr>
@@ -10040,7 +10202,7 @@
         <p:spPr>
           <a:xfrm>
             <a:off x="152400" y="1210625"/>
-            <a:ext cx="5865036" cy="3780475"/>
+            <a:ext cx="4657108" cy="3780476"/>
           </a:xfrm>
           <a:prstGeom prst="rect">
             <a:avLst/>
@@ -10064,7 +10226,7 @@
   <p:cSld>
     <p:spTree>
       <p:nvGrpSpPr>
-        <p:cNvPr id="144" name="Shape 144"/>
+        <p:cNvPr id="143" name="Shape 143"/>
         <p:cNvGrpSpPr/>
         <p:nvPr/>
       </p:nvGrpSpPr>
@@ -10078,7 +10240,7 @@
       </p:grpSpPr>
       <p:sp>
         <p:nvSpPr>
-          <p:cNvPr id="145" name="Google Shape;145;p26"/>
+          <p:cNvPr id="144" name="Google Shape;144;p26"/>
           <p:cNvSpPr txBox="1"/>
           <p:nvPr>
             <p:ph type="title"/>
@@ -10119,7 +10281,7 @@
       </p:sp>
       <p:sp>
         <p:nvSpPr>
-          <p:cNvPr id="146" name="Google Shape;146;p26"/>
+          <p:cNvPr id="145" name="Google Shape;145;p26"/>
           <p:cNvSpPr txBox="1"/>
           <p:nvPr/>
         </p:nvSpPr>
@@ -10189,7 +10351,7 @@
       </p:sp>
       <p:pic>
         <p:nvPicPr>
-          <p:cNvPr id="147" name="Google Shape;147;p26"/>
+          <p:cNvPr id="146" name="Google Shape;146;p26"/>
           <p:cNvPicPr preferRelativeResize="0"/>
           <p:nvPr/>
         </p:nvPicPr>
@@ -10203,8 +10365,8 @@
         </p:blipFill>
         <p:spPr>
           <a:xfrm>
-            <a:off x="311702" y="1285025"/>
-            <a:ext cx="6826507" cy="3440300"/>
+            <a:off x="152400" y="1210625"/>
+            <a:ext cx="6992799" cy="3613231"/>
           </a:xfrm>
           <a:prstGeom prst="rect">
             <a:avLst/>
@@ -10228,7 +10390,7 @@
   <p:cSld>
     <p:spTree>
       <p:nvGrpSpPr>
-        <p:cNvPr id="151" name="Shape 151"/>
+        <p:cNvPr id="150" name="Shape 150"/>
         <p:cNvGrpSpPr/>
         <p:nvPr/>
       </p:nvGrpSpPr>
@@ -10242,7 +10404,7 @@
       </p:grpSpPr>
       <p:sp>
         <p:nvSpPr>
-          <p:cNvPr id="152" name="Google Shape;152;p27"/>
+          <p:cNvPr id="151" name="Google Shape;151;p27"/>
           <p:cNvSpPr txBox="1"/>
           <p:nvPr>
             <p:ph type="title"/>
@@ -10283,7 +10445,7 @@
       </p:sp>
       <p:sp>
         <p:nvSpPr>
-          <p:cNvPr id="153" name="Google Shape;153;p27"/>
+          <p:cNvPr id="152" name="Google Shape;152;p27"/>
           <p:cNvSpPr txBox="1"/>
           <p:nvPr/>
         </p:nvSpPr>
@@ -10335,7 +10497,7 @@
       </p:sp>
       <p:pic>
         <p:nvPicPr>
-          <p:cNvPr id="154" name="Google Shape;154;p27"/>
+          <p:cNvPr id="153" name="Google Shape;153;p27"/>
           <p:cNvPicPr preferRelativeResize="0"/>
           <p:nvPr/>
         </p:nvPicPr>
@@ -10349,8 +10511,8 @@
         </p:blipFill>
         <p:spPr>
           <a:xfrm>
-            <a:off x="460450" y="1143000"/>
-            <a:ext cx="5507450" cy="3536650"/>
+            <a:off x="509100" y="1210625"/>
+            <a:ext cx="5314950" cy="3448050"/>
           </a:xfrm>
           <a:prstGeom prst="rect">
             <a:avLst/>
@@ -10374,7 +10536,7 @@
   <p:cSld>
     <p:spTree>
       <p:nvGrpSpPr>
-        <p:cNvPr id="158" name="Shape 158"/>
+        <p:cNvPr id="157" name="Shape 157"/>
         <p:cNvGrpSpPr/>
         <p:nvPr/>
       </p:nvGrpSpPr>
@@ -10388,7 +10550,7 @@
       </p:grpSpPr>
       <p:sp>
         <p:nvSpPr>
-          <p:cNvPr id="159" name="Google Shape;159;p28"/>
+          <p:cNvPr id="158" name="Google Shape;158;p28"/>
           <p:cNvSpPr txBox="1"/>
           <p:nvPr>
             <p:ph type="title"/>
@@ -10405,7 +10567,7 @@
         </p:spPr>
         <p:txBody>
           <a:bodyPr anchorCtr="0" anchor="t" bIns="91425" lIns="91425" spcFirstLastPara="1" rIns="91425" wrap="square" tIns="91425">
-            <a:normAutofit fontScale="90000"/>
+            <a:noAutofit/>
           </a:bodyPr>
           <a:lstStyle/>
           <a:p>
@@ -10416,36 +10578,39 @@
               <a:spcAft>
                 <a:spcPts val="0"/>
               </a:spcAft>
-              <a:buNone/>
-            </a:pPr>
-            <a:r>
-              <a:rPr lang="en"/>
-              <a:t>Price vs odometer</a:t>
-            </a:r>
-            <a:endParaRPr/>
+              <a:buSzPts val="990"/>
+              <a:buNone/>
+            </a:pPr>
+            <a:r>
+              <a:rPr b="1" lang="en" sz="2900"/>
+              <a:t>Change in prices of used cars over the years</a:t>
+            </a:r>
+            <a:endParaRPr b="1" sz="2900"/>
           </a:p>
         </p:txBody>
       </p:sp>
       <p:sp>
         <p:nvSpPr>
-          <p:cNvPr id="160" name="Google Shape;160;p28"/>
+          <p:cNvPr id="159" name="Google Shape;159;p28"/>
           <p:cNvSpPr txBox="1"/>
-          <p:nvPr>
-            <p:ph idx="1" type="body"/>
-          </p:nvPr>
-        </p:nvSpPr>
-        <p:spPr>
-          <a:xfrm>
-            <a:off x="311700" y="1171600"/>
-            <a:ext cx="8520600" cy="3397200"/>
+          <p:nvPr/>
+        </p:nvSpPr>
+        <p:spPr>
+          <a:xfrm>
+            <a:off x="6252875" y="1479175"/>
+            <a:ext cx="2218800" cy="1493100"/>
           </a:xfrm>
           <a:prstGeom prst="rect">
             <a:avLst/>
           </a:prstGeom>
+          <a:noFill/>
+          <a:ln>
+            <a:noFill/>
+          </a:ln>
         </p:spPr>
         <p:txBody>
           <a:bodyPr anchorCtr="0" anchor="t" bIns="91425" lIns="91425" spcFirstLastPara="1" rIns="91425" wrap="square" tIns="91425">
-            <a:normAutofit/>
+            <a:spAutoFit/>
           </a:bodyPr>
           <a:lstStyle/>
           <a:p>
@@ -10454,20 +10619,31 @@
                 <a:spcPts val="0"/>
               </a:spcBef>
               <a:spcAft>
-                <a:spcPts val="1200"/>
-              </a:spcAft>
-              <a:buNone/>
-            </a:pPr>
-            <a:r>
-              <a:t/>
-            </a:r>
-            <a:endParaRPr/>
+                <a:spcPts val="0"/>
+              </a:spcAft>
+              <a:buNone/>
+            </a:pPr>
+            <a:r>
+              <a:rPr lang="en" sz="1700">
+                <a:latin typeface="Old Standard TT"/>
+                <a:ea typeface="Old Standard TT"/>
+                <a:cs typeface="Old Standard TT"/>
+                <a:sym typeface="Old Standard TT"/>
+              </a:rPr>
+              <a:t>Increase in price over year is changing unevenly. It was high in 2007 and than drop  significantly.</a:t>
+            </a:r>
+            <a:endParaRPr sz="1700">
+              <a:latin typeface="Old Standard TT"/>
+              <a:ea typeface="Old Standard TT"/>
+              <a:cs typeface="Old Standard TT"/>
+              <a:sym typeface="Old Standard TT"/>
+            </a:endParaRPr>
           </a:p>
         </p:txBody>
       </p:sp>
       <p:pic>
         <p:nvPicPr>
-          <p:cNvPr id="161" name="Google Shape;161;p28"/>
+          <p:cNvPr id="160" name="Google Shape;160;p28"/>
           <p:cNvPicPr preferRelativeResize="0"/>
           <p:nvPr/>
         </p:nvPicPr>
@@ -10481,8 +10657,8 @@
         </p:blipFill>
         <p:spPr>
           <a:xfrm>
-            <a:off x="1421950" y="1622425"/>
-            <a:ext cx="3829050" cy="2495550"/>
+            <a:off x="221450" y="1670875"/>
+            <a:ext cx="5948074" cy="2356880"/>
           </a:xfrm>
           <a:prstGeom prst="rect">
             <a:avLst/>
@@ -10506,7 +10682,7 @@
   <p:cSld>
     <p:spTree>
       <p:nvGrpSpPr>
-        <p:cNvPr id="165" name="Shape 165"/>
+        <p:cNvPr id="164" name="Shape 164"/>
         <p:cNvGrpSpPr/>
         <p:nvPr/>
       </p:nvGrpSpPr>
@@ -10520,7 +10696,7 @@
       </p:grpSpPr>
       <p:sp>
         <p:nvSpPr>
-          <p:cNvPr id="166" name="Google Shape;166;p29"/>
+          <p:cNvPr id="165" name="Google Shape;165;p29"/>
           <p:cNvSpPr txBox="1"/>
           <p:nvPr>
             <p:ph type="title"/>
@@ -10528,7 +10704,7 @@
         </p:nvSpPr>
         <p:spPr>
           <a:xfrm>
-            <a:off x="311700" y="445025"/>
+            <a:off x="378925" y="142475"/>
             <a:ext cx="8520600" cy="613200"/>
           </a:xfrm>
           <a:prstGeom prst="rect">
@@ -10537,38 +10713,40 @@
         </p:spPr>
         <p:txBody>
           <a:bodyPr anchorCtr="0" anchor="t" bIns="91425" lIns="91425" spcFirstLastPara="1" rIns="91425" wrap="square" tIns="91425">
-            <a:noAutofit/>
+            <a:normAutofit fontScale="90000"/>
           </a:bodyPr>
           <a:lstStyle/>
           <a:p>
             <a:pPr indent="0" lvl="0" marL="0" rtl="0" algn="l">
-              <a:spcBef>
-                <a:spcPts val="0"/>
-              </a:spcBef>
-              <a:spcAft>
-                <a:spcPts val="0"/>
-              </a:spcAft>
-              <a:buSzPts val="990"/>
-              <a:buNone/>
-            </a:pPr>
-            <a:r>
-              <a:rPr b="1" lang="en" sz="2900"/>
-              <a:t>Change in prices of used cars over the years</a:t>
-            </a:r>
-            <a:endParaRPr b="1" sz="2900"/>
+              <a:lnSpc>
+                <a:spcPct val="170000"/>
+              </a:lnSpc>
+              <a:spcBef>
+                <a:spcPts val="0"/>
+              </a:spcBef>
+              <a:spcAft>
+                <a:spcPts val="0"/>
+              </a:spcAft>
+              <a:buNone/>
+            </a:pPr>
+            <a:r>
+              <a:rPr b="1" lang="en"/>
+              <a:t>Manufacturer with most used cars for sale each year</a:t>
+            </a:r>
+            <a:endParaRPr b="1"/>
           </a:p>
         </p:txBody>
       </p:sp>
       <p:sp>
         <p:nvSpPr>
-          <p:cNvPr id="167" name="Google Shape;167;p29"/>
+          <p:cNvPr id="166" name="Google Shape;166;p29"/>
           <p:cNvSpPr txBox="1"/>
           <p:nvPr/>
         </p:nvSpPr>
         <p:spPr>
           <a:xfrm>
-            <a:off x="6252875" y="1479175"/>
-            <a:ext cx="2218800" cy="1493100"/>
+            <a:off x="6241675" y="755675"/>
+            <a:ext cx="2658000" cy="949800"/>
           </a:xfrm>
           <a:prstGeom prst="rect">
             <a:avLst/>
@@ -10585,35 +10763,60 @@
           <a:lstStyle/>
           <a:p>
             <a:pPr indent="0" lvl="0" marL="0" rtl="0" algn="l">
-              <a:spcBef>
-                <a:spcPts val="0"/>
-              </a:spcBef>
-              <a:spcAft>
-                <a:spcPts val="0"/>
-              </a:spcAft>
-              <a:buNone/>
-            </a:pPr>
-            <a:r>
-              <a:rPr lang="en" sz="1700">
-                <a:latin typeface="Old Standard TT"/>
-                <a:ea typeface="Old Standard TT"/>
-                <a:cs typeface="Old Standard TT"/>
-                <a:sym typeface="Old Standard TT"/>
-              </a:rPr>
-              <a:t>Increase in price over year is changing unevenly. It was high in 2007 and than drop  significantly.</a:t>
-            </a:r>
-            <a:endParaRPr sz="1700">
+              <a:lnSpc>
+                <a:spcPct val="170000"/>
+              </a:lnSpc>
+              <a:spcBef>
+                <a:spcPts val="0"/>
+              </a:spcBef>
+              <a:spcAft>
+                <a:spcPts val="0"/>
+              </a:spcAft>
+              <a:buClr>
+                <a:schemeClr val="dk1"/>
+              </a:buClr>
+              <a:buSzPts val="1100"/>
+              <a:buFont typeface="Arial"/>
+              <a:buNone/>
+            </a:pPr>
+            <a:r>
+              <a:t/>
+            </a:r>
+            <a:endParaRPr sz="2100">
+              <a:solidFill>
+                <a:schemeClr val="dk1"/>
+              </a:solidFill>
               <a:latin typeface="Old Standard TT"/>
               <a:ea typeface="Old Standard TT"/>
               <a:cs typeface="Old Standard TT"/>
               <a:sym typeface="Old Standard TT"/>
             </a:endParaRPr>
           </a:p>
+          <a:p>
+            <a:pPr indent="0" lvl="0" marL="0" rtl="0" algn="l">
+              <a:spcBef>
+                <a:spcPts val="0"/>
+              </a:spcBef>
+              <a:spcAft>
+                <a:spcPts val="0"/>
+              </a:spcAft>
+              <a:buNone/>
+            </a:pPr>
+            <a:r>
+              <a:t/>
+            </a:r>
+            <a:endParaRPr>
+              <a:latin typeface="Old Standard TT"/>
+              <a:ea typeface="Old Standard TT"/>
+              <a:cs typeface="Old Standard TT"/>
+              <a:sym typeface="Old Standard TT"/>
+            </a:endParaRPr>
+          </a:p>
         </p:txBody>
       </p:sp>
       <p:pic>
         <p:nvPicPr>
-          <p:cNvPr id="168" name="Google Shape;168;p29"/>
+          <p:cNvPr id="167" name="Google Shape;167;p29"/>
           <p:cNvPicPr preferRelativeResize="0"/>
           <p:nvPr/>
         </p:nvPicPr>
@@ -10627,8 +10830,8 @@
         </p:blipFill>
         <p:spPr>
           <a:xfrm>
-            <a:off x="538175" y="1134425"/>
-            <a:ext cx="5495459" cy="3780475"/>
+            <a:off x="2031425" y="755675"/>
+            <a:ext cx="5215595" cy="4083025"/>
           </a:xfrm>
           <a:prstGeom prst="rect">
             <a:avLst/>
@@ -10652,7 +10855,7 @@
   <p:cSld>
     <p:spTree>
       <p:nvGrpSpPr>
-        <p:cNvPr id="172" name="Shape 172"/>
+        <p:cNvPr id="171" name="Shape 171"/>
         <p:cNvGrpSpPr/>
         <p:nvPr/>
       </p:nvGrpSpPr>
@@ -10666,7 +10869,7 @@
       </p:grpSpPr>
       <p:sp>
         <p:nvSpPr>
-          <p:cNvPr id="173" name="Google Shape;173;p30"/>
+          <p:cNvPr id="172" name="Google Shape;172;p30"/>
           <p:cNvSpPr txBox="1"/>
           <p:nvPr>
             <p:ph type="title"/>
@@ -10674,144 +10877,36 @@
         </p:nvSpPr>
         <p:spPr>
           <a:xfrm>
-            <a:off x="378925" y="142475"/>
-            <a:ext cx="8520600" cy="613200"/>
+            <a:off x="490250" y="526350"/>
+            <a:ext cx="7197000" cy="4090800"/>
           </a:xfrm>
           <a:prstGeom prst="rect">
             <a:avLst/>
           </a:prstGeom>
         </p:spPr>
         <p:txBody>
-          <a:bodyPr anchorCtr="0" anchor="t" bIns="91425" lIns="91425" spcFirstLastPara="1" rIns="91425" wrap="square" tIns="91425">
-            <a:normAutofit fontScale="90000"/>
+          <a:bodyPr anchorCtr="0" anchor="ctr" bIns="91425" lIns="91425" spcFirstLastPara="1" rIns="91425" wrap="square" tIns="91425">
+            <a:normAutofit/>
           </a:bodyPr>
           <a:lstStyle/>
           <a:p>
             <a:pPr indent="0" lvl="0" marL="0" rtl="0" algn="l">
-              <a:lnSpc>
-                <a:spcPct val="170000"/>
-              </a:lnSpc>
-              <a:spcBef>
-                <a:spcPts val="0"/>
-              </a:spcBef>
-              <a:spcAft>
-                <a:spcPts val="0"/>
-              </a:spcAft>
-              <a:buNone/>
-            </a:pPr>
-            <a:r>
-              <a:rPr b="1" lang="en"/>
-              <a:t>Manufacturer with most used cars for sale each year</a:t>
-            </a:r>
-            <a:endParaRPr b="1"/>
+              <a:spcBef>
+                <a:spcPts val="0"/>
+              </a:spcBef>
+              <a:spcAft>
+                <a:spcPts val="0"/>
+              </a:spcAft>
+              <a:buNone/>
+            </a:pPr>
+            <a:r>
+              <a:rPr lang="en"/>
+              <a:t>Data Pre-Processing </a:t>
+            </a:r>
+            <a:endParaRPr/>
           </a:p>
         </p:txBody>
       </p:sp>
-      <p:sp>
-        <p:nvSpPr>
-          <p:cNvPr id="174" name="Google Shape;174;p30"/>
-          <p:cNvSpPr txBox="1"/>
-          <p:nvPr/>
-        </p:nvSpPr>
-        <p:spPr>
-          <a:xfrm>
-            <a:off x="6241675" y="755675"/>
-            <a:ext cx="2658000" cy="949800"/>
-          </a:xfrm>
-          <a:prstGeom prst="rect">
-            <a:avLst/>
-          </a:prstGeom>
-          <a:noFill/>
-          <a:ln>
-            <a:noFill/>
-          </a:ln>
-        </p:spPr>
-        <p:txBody>
-          <a:bodyPr anchorCtr="0" anchor="t" bIns="91425" lIns="91425" spcFirstLastPara="1" rIns="91425" wrap="square" tIns="91425">
-            <a:spAutoFit/>
-          </a:bodyPr>
-          <a:lstStyle/>
-          <a:p>
-            <a:pPr indent="0" lvl="0" marL="0" rtl="0" algn="l">
-              <a:lnSpc>
-                <a:spcPct val="170000"/>
-              </a:lnSpc>
-              <a:spcBef>
-                <a:spcPts val="0"/>
-              </a:spcBef>
-              <a:spcAft>
-                <a:spcPts val="0"/>
-              </a:spcAft>
-              <a:buClr>
-                <a:schemeClr val="dk1"/>
-              </a:buClr>
-              <a:buSzPts val="1100"/>
-              <a:buFont typeface="Arial"/>
-              <a:buNone/>
-            </a:pPr>
-            <a:r>
-              <a:t/>
-            </a:r>
-            <a:endParaRPr sz="2100">
-              <a:solidFill>
-                <a:schemeClr val="dk1"/>
-              </a:solidFill>
-              <a:latin typeface="Old Standard TT"/>
-              <a:ea typeface="Old Standard TT"/>
-              <a:cs typeface="Old Standard TT"/>
-              <a:sym typeface="Old Standard TT"/>
-            </a:endParaRPr>
-          </a:p>
-          <a:p>
-            <a:pPr indent="0" lvl="0" marL="0" rtl="0" algn="l">
-              <a:spcBef>
-                <a:spcPts val="0"/>
-              </a:spcBef>
-              <a:spcAft>
-                <a:spcPts val="0"/>
-              </a:spcAft>
-              <a:buNone/>
-            </a:pPr>
-            <a:r>
-              <a:t/>
-            </a:r>
-            <a:endParaRPr>
-              <a:latin typeface="Old Standard TT"/>
-              <a:ea typeface="Old Standard TT"/>
-              <a:cs typeface="Old Standard TT"/>
-              <a:sym typeface="Old Standard TT"/>
-            </a:endParaRPr>
-          </a:p>
-        </p:txBody>
-      </p:sp>
-      <p:pic>
-        <p:nvPicPr>
-          <p:cNvPr id="175" name="Google Shape;175;p30"/>
-          <p:cNvPicPr preferRelativeResize="0"/>
-          <p:nvPr/>
-        </p:nvPicPr>
-        <p:blipFill>
-          <a:blip r:embed="rId3">
-            <a:alphaModFix/>
-          </a:blip>
-          <a:stretch>
-            <a:fillRect/>
-          </a:stretch>
-        </p:blipFill>
-        <p:spPr>
-          <a:xfrm>
-            <a:off x="152400" y="908075"/>
-            <a:ext cx="5688246" cy="4083025"/>
-          </a:xfrm>
-          <a:prstGeom prst="rect">
-            <a:avLst/>
-          </a:prstGeom>
-          <a:noFill/>
-          <a:ln>
-            <a:noFill/>
-          </a:ln>
-        </p:spPr>
-      </p:pic>
     </p:spTree>
   </p:cSld>
   <p:clrMapOvr>
@@ -10825,7 +10920,7 @@
   <p:cSld>
     <p:spTree>
       <p:nvGrpSpPr>
-        <p:cNvPr id="179" name="Shape 179"/>
+        <p:cNvPr id="176" name="Shape 176"/>
         <p:cNvGrpSpPr/>
         <p:nvPr/>
       </p:nvGrpSpPr>
@@ -10839,7 +10934,7 @@
       </p:grpSpPr>
       <p:sp>
         <p:nvSpPr>
-          <p:cNvPr id="180" name="Google Shape;180;p31"/>
+          <p:cNvPr id="177" name="Google Shape;177;p31"/>
           <p:cNvSpPr txBox="1"/>
           <p:nvPr>
             <p:ph type="title"/>
@@ -10847,16 +10942,16 @@
         </p:nvSpPr>
         <p:spPr>
           <a:xfrm>
-            <a:off x="490250" y="526350"/>
-            <a:ext cx="7197000" cy="4090800"/>
+            <a:off x="311700" y="445025"/>
+            <a:ext cx="8520600" cy="613200"/>
           </a:xfrm>
           <a:prstGeom prst="rect">
             <a:avLst/>
           </a:prstGeom>
         </p:spPr>
         <p:txBody>
-          <a:bodyPr anchorCtr="0" anchor="ctr" bIns="91425" lIns="91425" spcFirstLastPara="1" rIns="91425" wrap="square" tIns="91425">
-            <a:normAutofit/>
+          <a:bodyPr anchorCtr="0" anchor="t" bIns="91425" lIns="91425" spcFirstLastPara="1" rIns="91425" wrap="square" tIns="91425">
+            <a:noAutofit/>
           </a:bodyPr>
           <a:lstStyle/>
           <a:p>
@@ -10867,11 +10962,162 @@
               <a:spcAft>
                 <a:spcPts val="0"/>
               </a:spcAft>
-              <a:buNone/>
-            </a:pPr>
-            <a:r>
-              <a:rPr lang="en"/>
-              <a:t>Data Pre-Processing </a:t>
+              <a:buSzPts val="990"/>
+              <a:buNone/>
+            </a:pPr>
+            <a:r>
+              <a:rPr b="1" lang="en" sz="2900"/>
+              <a:t>Data Preprocessing </a:t>
+            </a:r>
+            <a:endParaRPr b="1" sz="2900"/>
+          </a:p>
+        </p:txBody>
+      </p:sp>
+      <p:sp>
+        <p:nvSpPr>
+          <p:cNvPr id="178" name="Google Shape;178;p31"/>
+          <p:cNvSpPr txBox="1"/>
+          <p:nvPr>
+            <p:ph idx="1" type="body"/>
+          </p:nvPr>
+        </p:nvSpPr>
+        <p:spPr>
+          <a:xfrm>
+            <a:off x="256725" y="1203850"/>
+            <a:ext cx="8520600" cy="3397200"/>
+          </a:xfrm>
+          <a:prstGeom prst="rect">
+            <a:avLst/>
+          </a:prstGeom>
+        </p:spPr>
+        <p:txBody>
+          <a:bodyPr anchorCtr="0" anchor="t" bIns="91425" lIns="91425" spcFirstLastPara="1" rIns="91425" wrap="square" tIns="91425">
+            <a:normAutofit fontScale="85000" lnSpcReduction="20000"/>
+          </a:bodyPr>
+          <a:lstStyle/>
+          <a:p>
+            <a:pPr indent="-350125" lvl="0" marL="457200" rtl="0" algn="l">
+              <a:spcBef>
+                <a:spcPts val="0"/>
+              </a:spcBef>
+              <a:spcAft>
+                <a:spcPts val="0"/>
+              </a:spcAft>
+              <a:buSzPct val="100000"/>
+              <a:buChar char="●"/>
+            </a:pPr>
+            <a:r>
+              <a:rPr lang="en" sz="2251"/>
+              <a:t>Handling Unwanted Columns:</a:t>
+            </a:r>
+            <a:endParaRPr sz="2251"/>
+          </a:p>
+          <a:p>
+            <a:pPr indent="-328535" lvl="1" marL="914400" rtl="0" algn="l">
+              <a:spcBef>
+                <a:spcPts val="0"/>
+              </a:spcBef>
+              <a:spcAft>
+                <a:spcPts val="0"/>
+              </a:spcAft>
+              <a:buSzPct val="82234"/>
+              <a:buChar char="○"/>
+            </a:pPr>
+            <a:r>
+              <a:rPr lang="en" sz="2251"/>
+              <a:t>'id', 'url', 'region_url', 'VIN', 'image_url', 'description', 'county','size', 'paint_color','model’</a:t>
+            </a:r>
+            <a:endParaRPr sz="2251"/>
+          </a:p>
+          <a:p>
+            <a:pPr indent="0" lvl="0" marL="457200" rtl="0" algn="l">
+              <a:spcBef>
+                <a:spcPts val="1200"/>
+              </a:spcBef>
+              <a:spcAft>
+                <a:spcPts val="0"/>
+              </a:spcAft>
+              <a:buNone/>
+            </a:pPr>
+            <a:r>
+              <a:t/>
+            </a:r>
+            <a:endParaRPr sz="2251"/>
+          </a:p>
+          <a:p>
+            <a:pPr indent="-350125" lvl="0" marL="457200" rtl="0" algn="l">
+              <a:spcBef>
+                <a:spcPts val="1200"/>
+              </a:spcBef>
+              <a:spcAft>
+                <a:spcPts val="0"/>
+              </a:spcAft>
+              <a:buSzPct val="100000"/>
+              <a:buChar char="●"/>
+            </a:pPr>
+            <a:r>
+              <a:rPr lang="en" sz="2251"/>
+              <a:t>Dropping Duplicate Values</a:t>
+            </a:r>
+            <a:endParaRPr sz="2251"/>
+          </a:p>
+          <a:p>
+            <a:pPr indent="0" lvl="0" marL="457200" rtl="0" algn="l">
+              <a:spcBef>
+                <a:spcPts val="1200"/>
+              </a:spcBef>
+              <a:spcAft>
+                <a:spcPts val="0"/>
+              </a:spcAft>
+              <a:buNone/>
+            </a:pPr>
+            <a:r>
+              <a:t/>
+            </a:r>
+            <a:endParaRPr/>
+          </a:p>
+          <a:p>
+            <a:pPr indent="0" lvl="0" marL="457200" rtl="0" algn="l">
+              <a:spcBef>
+                <a:spcPts val="1200"/>
+              </a:spcBef>
+              <a:spcAft>
+                <a:spcPts val="0"/>
+              </a:spcAft>
+              <a:buNone/>
+            </a:pPr>
+            <a:r>
+              <a:t/>
+            </a:r>
+            <a:endParaRPr/>
+          </a:p>
+          <a:p>
+            <a:pPr indent="0" lvl="0" marL="0" rtl="0" algn="l">
+              <a:spcBef>
+                <a:spcPts val="1200"/>
+              </a:spcBef>
+              <a:spcAft>
+                <a:spcPts val="0"/>
+              </a:spcAft>
+              <a:buNone/>
+            </a:pPr>
+            <a:r>
+              <a:t/>
+            </a:r>
+            <a:endParaRPr sz="1800"/>
+          </a:p>
+          <a:p>
+            <a:pPr indent="0" lvl="0" marL="0" rtl="0" algn="l">
+              <a:spcBef>
+                <a:spcPts val="1200"/>
+              </a:spcBef>
+              <a:spcAft>
+                <a:spcPts val="1200"/>
+              </a:spcAft>
+              <a:buNone/>
+            </a:pPr>
+            <a:r>
+              <a:t/>
             </a:r>
             <a:endParaRPr/>
           </a:p>
@@ -11094,7 +11340,7 @@
   <p:cSld>
     <p:spTree>
       <p:nvGrpSpPr>
-        <p:cNvPr id="184" name="Shape 184"/>
+        <p:cNvPr id="182" name="Shape 182"/>
         <p:cNvGrpSpPr/>
         <p:nvPr/>
       </p:nvGrpSpPr>
@@ -11108,7 +11354,7 @@
       </p:grpSpPr>
       <p:sp>
         <p:nvSpPr>
-          <p:cNvPr id="185" name="Google Shape;185;p32"/>
+          <p:cNvPr id="183" name="Google Shape;183;p32"/>
           <p:cNvSpPr txBox="1"/>
           <p:nvPr>
             <p:ph type="title"/>
@@ -11125,7 +11371,7 @@
         </p:spPr>
         <p:txBody>
           <a:bodyPr anchorCtr="0" anchor="t" bIns="91425" lIns="91425" spcFirstLastPara="1" rIns="91425" wrap="square" tIns="91425">
-            <a:noAutofit/>
+            <a:normAutofit fontScale="90000"/>
           </a:bodyPr>
           <a:lstStyle/>
           <a:p>
@@ -11136,167 +11382,98 @@
               <a:spcAft>
                 <a:spcPts val="0"/>
               </a:spcAft>
-              <a:buSzPts val="990"/>
-              <a:buNone/>
-            </a:pPr>
-            <a:r>
-              <a:rPr b="1" lang="en" sz="2900"/>
-              <a:t>Data Preprocessing </a:t>
-            </a:r>
-            <a:endParaRPr b="1" sz="2900"/>
+              <a:buNone/>
+            </a:pPr>
+            <a:r>
+              <a:rPr lang="en"/>
+              <a:t>Missing Values in the Data</a:t>
+            </a:r>
+            <a:endParaRPr/>
           </a:p>
         </p:txBody>
       </p:sp>
       <p:sp>
         <p:nvSpPr>
-          <p:cNvPr id="186" name="Google Shape;186;p32"/>
+          <p:cNvPr id="184" name="Google Shape;184;p32"/>
           <p:cNvSpPr txBox="1"/>
-          <p:nvPr>
-            <p:ph idx="1" type="body"/>
-          </p:nvPr>
-        </p:nvSpPr>
-        <p:spPr>
-          <a:xfrm>
-            <a:off x="256725" y="1203850"/>
-            <a:ext cx="8520600" cy="3397200"/>
+          <p:nvPr/>
+        </p:nvSpPr>
+        <p:spPr>
+          <a:xfrm>
+            <a:off x="273750" y="3406350"/>
+            <a:ext cx="8596500" cy="400200"/>
           </a:xfrm>
           <a:prstGeom prst="rect">
             <a:avLst/>
           </a:prstGeom>
+          <a:noFill/>
+          <a:ln>
+            <a:noFill/>
+          </a:ln>
         </p:spPr>
         <p:txBody>
           <a:bodyPr anchorCtr="0" anchor="t" bIns="91425" lIns="91425" spcFirstLastPara="1" rIns="91425" wrap="square" tIns="91425">
-            <a:normAutofit fontScale="85000" lnSpcReduction="20000"/>
+            <a:spAutoFit/>
           </a:bodyPr>
           <a:lstStyle/>
           <a:p>
-            <a:pPr indent="-350125" lvl="0" marL="457200" rtl="0" algn="l">
-              <a:spcBef>
-                <a:spcPts val="0"/>
-              </a:spcBef>
-              <a:spcAft>
-                <a:spcPts val="0"/>
-              </a:spcAft>
-              <a:buSzPct val="100000"/>
-              <a:buChar char="●"/>
-            </a:pPr>
-            <a:r>
-              <a:rPr lang="en" sz="2251"/>
-              <a:t>Handling Unwanted Columns:</a:t>
-            </a:r>
-            <a:endParaRPr sz="2251"/>
-          </a:p>
-          <a:p>
-            <a:pPr indent="-328535" lvl="1" marL="914400" rtl="0" algn="l">
-              <a:spcBef>
-                <a:spcPts val="0"/>
-              </a:spcBef>
-              <a:spcAft>
-                <a:spcPts val="0"/>
-              </a:spcAft>
-              <a:buSzPct val="82234"/>
-              <a:buChar char="○"/>
-            </a:pPr>
-            <a:r>
-              <a:rPr lang="en" sz="2251"/>
-              <a:t>'id', 'url', 'region_url', 'VIN', 'image_url', 'description', 'county','size', 'paint_color','model’</a:t>
-            </a:r>
-            <a:endParaRPr sz="2251"/>
-          </a:p>
-          <a:p>
-            <a:pPr indent="0" lvl="0" marL="457200" rtl="0" algn="l">
-              <a:spcBef>
+            <a:pPr indent="0" lvl="0" marL="0" rtl="0" algn="l">
+              <a:lnSpc>
+                <a:spcPct val="115000"/>
+              </a:lnSpc>
+              <a:spcBef>
+                <a:spcPts val="0"/>
+              </a:spcBef>
+              <a:spcAft>
                 <a:spcPts val="1200"/>
-              </a:spcBef>
-              <a:spcAft>
-                <a:spcPts val="0"/>
-              </a:spcAft>
+              </a:spcAft>
+              <a:buClr>
+                <a:schemeClr val="dk1"/>
+              </a:buClr>
+              <a:buSzPts val="1100"/>
+              <a:buFont typeface="Arial"/>
               <a:buNone/>
             </a:pPr>
             <a:r>
               <a:t/>
             </a:r>
-            <a:endParaRPr sz="2251"/>
-          </a:p>
-          <a:p>
-            <a:pPr indent="-350125" lvl="0" marL="457200" rtl="0" algn="l">
-              <a:spcBef>
-                <a:spcPts val="1200"/>
-              </a:spcBef>
-              <a:spcAft>
-                <a:spcPts val="0"/>
-              </a:spcAft>
-              <a:buSzPct val="100000"/>
-              <a:buChar char="●"/>
-            </a:pPr>
-            <a:r>
-              <a:rPr lang="en" sz="2251"/>
-              <a:t>Dropping Duplicate Values</a:t>
-            </a:r>
-            <a:endParaRPr sz="2251"/>
-          </a:p>
-          <a:p>
-            <a:pPr indent="0" lvl="0" marL="457200" rtl="0" algn="l">
-              <a:spcBef>
-                <a:spcPts val="1200"/>
-              </a:spcBef>
-              <a:spcAft>
-                <a:spcPts val="0"/>
-              </a:spcAft>
-              <a:buNone/>
-            </a:pPr>
-            <a:r>
-              <a:t/>
-            </a:r>
-            <a:endParaRPr/>
-          </a:p>
-          <a:p>
-            <a:pPr indent="0" lvl="0" marL="457200" rtl="0" algn="l">
-              <a:spcBef>
-                <a:spcPts val="1200"/>
-              </a:spcBef>
-              <a:spcAft>
-                <a:spcPts val="0"/>
-              </a:spcAft>
-              <a:buNone/>
-            </a:pPr>
-            <a:r>
-              <a:t/>
-            </a:r>
-            <a:endParaRPr/>
-          </a:p>
-          <a:p>
-            <a:pPr indent="0" lvl="0" marL="0" rtl="0" algn="l">
-              <a:spcBef>
-                <a:spcPts val="1200"/>
-              </a:spcBef>
-              <a:spcAft>
-                <a:spcPts val="0"/>
-              </a:spcAft>
-              <a:buNone/>
-            </a:pPr>
-            <a:r>
-              <a:t/>
-            </a:r>
-            <a:endParaRPr sz="1800"/>
-          </a:p>
-          <a:p>
-            <a:pPr indent="0" lvl="0" marL="0" rtl="0" algn="l">
-              <a:spcBef>
-                <a:spcPts val="1200"/>
-              </a:spcBef>
-              <a:spcAft>
-                <a:spcPts val="1200"/>
-              </a:spcAft>
-              <a:buNone/>
-            </a:pPr>
-            <a:r>
-              <a:t/>
-            </a:r>
-            <a:endParaRPr/>
+            <a:endParaRPr>
+              <a:latin typeface="Old Standard TT"/>
+              <a:ea typeface="Old Standard TT"/>
+              <a:cs typeface="Old Standard TT"/>
+              <a:sym typeface="Old Standard TT"/>
+            </a:endParaRPr>
           </a:p>
         </p:txBody>
       </p:sp>
+      <p:pic>
+        <p:nvPicPr>
+          <p:cNvPr id="185" name="Google Shape;185;p32"/>
+          <p:cNvPicPr preferRelativeResize="0"/>
+          <p:nvPr/>
+        </p:nvPicPr>
+        <p:blipFill>
+          <a:blip r:embed="rId3">
+            <a:alphaModFix/>
+          </a:blip>
+          <a:stretch>
+            <a:fillRect/>
+          </a:stretch>
+        </p:blipFill>
+        <p:spPr>
+          <a:xfrm>
+            <a:off x="273750" y="1268150"/>
+            <a:ext cx="8596500" cy="3416769"/>
+          </a:xfrm>
+          <a:prstGeom prst="rect">
+            <a:avLst/>
+          </a:prstGeom>
+          <a:noFill/>
+          <a:ln>
+            <a:noFill/>
+          </a:ln>
+        </p:spPr>
+      </p:pic>
     </p:spTree>
   </p:cSld>
   <p:clrMapOvr>
@@ -11310,7 +11487,7 @@
   <p:cSld>
     <p:spTree>
       <p:nvGrpSpPr>
-        <p:cNvPr id="190" name="Shape 190"/>
+        <p:cNvPr id="189" name="Shape 189"/>
         <p:cNvGrpSpPr/>
         <p:nvPr/>
       </p:nvGrpSpPr>
@@ -11324,16 +11501,16 @@
       </p:grpSpPr>
       <p:sp>
         <p:nvSpPr>
-          <p:cNvPr id="191" name="Google Shape;191;p33"/>
+          <p:cNvPr id="190" name="Google Shape;190;p33"/>
           <p:cNvSpPr txBox="1"/>
           <p:nvPr>
-            <p:ph type="title"/>
+            <p:ph idx="1" type="body"/>
           </p:nvPr>
         </p:nvSpPr>
         <p:spPr>
           <a:xfrm>
-            <a:off x="311700" y="445025"/>
-            <a:ext cx="8520600" cy="613200"/>
+            <a:off x="311700" y="1171600"/>
+            <a:ext cx="8520600" cy="3397200"/>
           </a:xfrm>
           <a:prstGeom prst="rect">
             <a:avLst/>
@@ -11341,7 +11518,7 @@
         </p:spPr>
         <p:txBody>
           <a:bodyPr anchorCtr="0" anchor="t" bIns="91425" lIns="91425" spcFirstLastPara="1" rIns="91425" wrap="square" tIns="91425">
-            <a:normAutofit fontScale="90000"/>
+            <a:normAutofit/>
           </a:bodyPr>
           <a:lstStyle/>
           <a:p>
@@ -11355,31 +11532,70 @@
               <a:buNone/>
             </a:pPr>
             <a:r>
+              <a:t/>
+            </a:r>
+            <a:endParaRPr/>
+          </a:p>
+          <a:p>
+            <a:pPr indent="0" lvl="0" marL="0" rtl="0" algn="l">
+              <a:spcBef>
+                <a:spcPts val="1200"/>
+              </a:spcBef>
+              <a:spcAft>
+                <a:spcPts val="0"/>
+              </a:spcAft>
+              <a:buNone/>
+            </a:pPr>
+            <a:r>
               <a:rPr lang="en"/>
-              <a:t>Missing Values in the Data</a:t>
+              <a:t>Categorical Data: Using mode </a:t>
             </a:r>
             <a:endParaRPr/>
           </a:p>
+          <a:p>
+            <a:pPr indent="0" lvl="0" marL="0" rtl="0" algn="l">
+              <a:spcBef>
+                <a:spcPts val="1200"/>
+              </a:spcBef>
+              <a:spcAft>
+                <a:spcPts val="0"/>
+              </a:spcAft>
+              <a:buNone/>
+            </a:pPr>
+            <a:r>
+              <a:rPr lang="en"/>
+              <a:t>Numerical Data : Using Mean </a:t>
+            </a:r>
+            <a:endParaRPr/>
+          </a:p>
+          <a:p>
+            <a:pPr indent="0" lvl="0" marL="0" rtl="0" algn="l">
+              <a:spcBef>
+                <a:spcPts val="1200"/>
+              </a:spcBef>
+              <a:spcAft>
+                <a:spcPts val="1200"/>
+              </a:spcAft>
+              <a:buNone/>
+            </a:pPr>
+            <a:r>
+              <a:rPr lang="en"/>
+              <a:t>Categorical Encoding: LabelEncoder</a:t>
+            </a:r>
+            <a:endParaRPr/>
+          </a:p>
         </p:txBody>
       </p:sp>
-      <p:pic>
-        <p:nvPicPr>
-          <p:cNvPr id="192" name="Google Shape;192;p33"/>
-          <p:cNvPicPr preferRelativeResize="0"/>
+      <p:sp>
+        <p:nvSpPr>
+          <p:cNvPr id="191" name="Google Shape;191;p33"/>
+          <p:cNvSpPr txBox="1"/>
           <p:nvPr/>
-        </p:nvPicPr>
-        <p:blipFill>
-          <a:blip r:embed="rId3">
-            <a:alphaModFix/>
-          </a:blip>
-          <a:stretch>
-            <a:fillRect/>
-          </a:stretch>
-        </p:blipFill>
-        <p:spPr>
-          <a:xfrm>
-            <a:off x="0" y="1376495"/>
-            <a:ext cx="9143999" cy="1957559"/>
+        </p:nvSpPr>
+        <p:spPr>
+          <a:xfrm>
+            <a:off x="472575" y="428625"/>
+            <a:ext cx="6110700" cy="646500"/>
           </a:xfrm>
           <a:prstGeom prst="rect">
             <a:avLst/>
@@ -11389,26 +11605,6 @@
             <a:noFill/>
           </a:ln>
         </p:spPr>
-      </p:pic>
-      <p:sp>
-        <p:nvSpPr>
-          <p:cNvPr id="193" name="Google Shape;193;p33"/>
-          <p:cNvSpPr txBox="1"/>
-          <p:nvPr/>
-        </p:nvSpPr>
-        <p:spPr>
-          <a:xfrm>
-            <a:off x="273750" y="3406350"/>
-            <a:ext cx="8596500" cy="400200"/>
-          </a:xfrm>
-          <a:prstGeom prst="rect">
-            <a:avLst/>
-          </a:prstGeom>
-          <a:noFill/>
-          <a:ln>
-            <a:noFill/>
-          </a:ln>
-        </p:spPr>
         <p:txBody>
           <a:bodyPr anchorCtr="0" anchor="t" bIns="91425" lIns="91425" spcFirstLastPara="1" rIns="91425" wrap="square" tIns="91425">
             <a:spAutoFit/>
@@ -11416,26 +11612,24 @@
           <a:lstStyle/>
           <a:p>
             <a:pPr indent="0" lvl="0" marL="0" rtl="0" algn="l">
-              <a:lnSpc>
-                <a:spcPct val="115000"/>
-              </a:lnSpc>
-              <a:spcBef>
-                <a:spcPts val="0"/>
-              </a:spcBef>
-              <a:spcAft>
-                <a:spcPts val="1200"/>
-              </a:spcAft>
-              <a:buClr>
-                <a:schemeClr val="dk1"/>
-              </a:buClr>
-              <a:buSzPts val="1100"/>
-              <a:buFont typeface="Arial"/>
-              <a:buNone/>
-            </a:pPr>
-            <a:r>
-              <a:t/>
-            </a:r>
-            <a:endParaRPr>
+              <a:spcBef>
+                <a:spcPts val="0"/>
+              </a:spcBef>
+              <a:spcAft>
+                <a:spcPts val="0"/>
+              </a:spcAft>
+              <a:buNone/>
+            </a:pPr>
+            <a:r>
+              <a:rPr b="1" lang="en" sz="3000">
+                <a:latin typeface="Old Standard TT"/>
+                <a:ea typeface="Old Standard TT"/>
+                <a:cs typeface="Old Standard TT"/>
+                <a:sym typeface="Old Standard TT"/>
+              </a:rPr>
+              <a:t>Handling null Values</a:t>
+            </a:r>
+            <a:endParaRPr b="1" sz="3000">
               <a:latin typeface="Old Standard TT"/>
               <a:ea typeface="Old Standard TT"/>
               <a:cs typeface="Old Standard TT"/>
@@ -11457,7 +11651,7 @@
   <p:cSld>
     <p:spTree>
       <p:nvGrpSpPr>
-        <p:cNvPr id="197" name="Shape 197"/>
+        <p:cNvPr id="195" name="Shape 195"/>
         <p:cNvGrpSpPr/>
         <p:nvPr/>
       </p:nvGrpSpPr>
@@ -11471,16 +11665,16 @@
       </p:grpSpPr>
       <p:sp>
         <p:nvSpPr>
-          <p:cNvPr id="198" name="Google Shape;198;p34"/>
+          <p:cNvPr id="196" name="Google Shape;196;p34"/>
           <p:cNvSpPr txBox="1"/>
           <p:nvPr>
-            <p:ph idx="1" type="body"/>
+            <p:ph type="title"/>
           </p:nvPr>
         </p:nvSpPr>
         <p:spPr>
           <a:xfrm>
-            <a:off x="311700" y="1171600"/>
-            <a:ext cx="8520600" cy="3397200"/>
+            <a:off x="311700" y="445025"/>
+            <a:ext cx="8520600" cy="613200"/>
           </a:xfrm>
           <a:prstGeom prst="rect">
             <a:avLst/>
@@ -11488,7 +11682,7 @@
         </p:spPr>
         <p:txBody>
           <a:bodyPr anchorCtr="0" anchor="t" bIns="91425" lIns="91425" spcFirstLastPara="1" rIns="91425" wrap="square" tIns="91425">
-            <a:normAutofit/>
+            <a:normAutofit fontScale="90000"/>
           </a:bodyPr>
           <a:lstStyle/>
           <a:p>
@@ -11502,70 +11696,31 @@
               <a:buNone/>
             </a:pPr>
             <a:r>
-              <a:t/>
+              <a:rPr lang="en"/>
+              <a:t>Handling Outlier</a:t>
             </a:r>
             <a:endParaRPr/>
           </a:p>
-          <a:p>
-            <a:pPr indent="0" lvl="0" marL="0" rtl="0" algn="l">
-              <a:spcBef>
-                <a:spcPts val="1200"/>
-              </a:spcBef>
-              <a:spcAft>
-                <a:spcPts val="0"/>
-              </a:spcAft>
-              <a:buNone/>
-            </a:pPr>
-            <a:r>
-              <a:rPr lang="en"/>
-              <a:t>Categorical Data: Using mode </a:t>
-            </a:r>
-            <a:endParaRPr/>
-          </a:p>
-          <a:p>
-            <a:pPr indent="0" lvl="0" marL="0" rtl="0" algn="l">
-              <a:spcBef>
-                <a:spcPts val="1200"/>
-              </a:spcBef>
-              <a:spcAft>
-                <a:spcPts val="0"/>
-              </a:spcAft>
-              <a:buNone/>
-            </a:pPr>
-            <a:r>
-              <a:rPr lang="en"/>
-              <a:t>Numerical Data : Using Mean </a:t>
-            </a:r>
-            <a:endParaRPr/>
-          </a:p>
-          <a:p>
-            <a:pPr indent="0" lvl="0" marL="0" rtl="0" algn="l">
-              <a:spcBef>
-                <a:spcPts val="1200"/>
-              </a:spcBef>
-              <a:spcAft>
-                <a:spcPts val="1200"/>
-              </a:spcAft>
-              <a:buNone/>
-            </a:pPr>
-            <a:r>
-              <a:rPr lang="en"/>
-              <a:t>Categorical Encoding: LabelEncoder</a:t>
-            </a:r>
-            <a:endParaRPr/>
-          </a:p>
         </p:txBody>
       </p:sp>
-      <p:sp>
-        <p:nvSpPr>
-          <p:cNvPr id="199" name="Google Shape;199;p34"/>
-          <p:cNvSpPr txBox="1"/>
+      <p:pic>
+        <p:nvPicPr>
+          <p:cNvPr id="197" name="Google Shape;197;p34"/>
+          <p:cNvPicPr preferRelativeResize="0"/>
           <p:nvPr/>
-        </p:nvSpPr>
-        <p:spPr>
-          <a:xfrm>
-            <a:off x="472575" y="428625"/>
-            <a:ext cx="6110700" cy="646500"/>
+        </p:nvPicPr>
+        <p:blipFill>
+          <a:blip r:embed="rId3">
+            <a:alphaModFix/>
+          </a:blip>
+          <a:stretch>
+            <a:fillRect/>
+          </a:stretch>
+        </p:blipFill>
+        <p:spPr>
+          <a:xfrm>
+            <a:off x="6099213" y="1233625"/>
+            <a:ext cx="2362200" cy="3238500"/>
           </a:xfrm>
           <a:prstGeom prst="rect">
             <a:avLst/>
@@ -11575,39 +11730,35 @@
             <a:noFill/>
           </a:ln>
         </p:spPr>
-        <p:txBody>
-          <a:bodyPr anchorCtr="0" anchor="t" bIns="91425" lIns="91425" spcFirstLastPara="1" rIns="91425" wrap="square" tIns="91425">
-            <a:spAutoFit/>
-          </a:bodyPr>
-          <a:lstStyle/>
-          <a:p>
-            <a:pPr indent="0" lvl="0" marL="0" rtl="0" algn="l">
-              <a:spcBef>
-                <a:spcPts val="0"/>
-              </a:spcBef>
-              <a:spcAft>
-                <a:spcPts val="0"/>
-              </a:spcAft>
-              <a:buNone/>
-            </a:pPr>
-            <a:r>
-              <a:rPr b="1" lang="en" sz="3000">
-                <a:latin typeface="Old Standard TT"/>
-                <a:ea typeface="Old Standard TT"/>
-                <a:cs typeface="Old Standard TT"/>
-                <a:sym typeface="Old Standard TT"/>
-              </a:rPr>
-              <a:t>Handling null Values</a:t>
-            </a:r>
-            <a:endParaRPr b="1" sz="3000">
-              <a:latin typeface="Old Standard TT"/>
-              <a:ea typeface="Old Standard TT"/>
-              <a:cs typeface="Old Standard TT"/>
-              <a:sym typeface="Old Standard TT"/>
-            </a:endParaRPr>
-          </a:p>
-        </p:txBody>
-      </p:sp>
+      </p:pic>
+      <p:pic>
+        <p:nvPicPr>
+          <p:cNvPr id="198" name="Google Shape;198;p34"/>
+          <p:cNvPicPr preferRelativeResize="0"/>
+          <p:nvPr/>
+        </p:nvPicPr>
+        <p:blipFill>
+          <a:blip r:embed="rId4">
+            <a:alphaModFix/>
+          </a:blip>
+          <a:stretch>
+            <a:fillRect/>
+          </a:stretch>
+        </p:blipFill>
+        <p:spPr>
+          <a:xfrm>
+            <a:off x="1026900" y="1233625"/>
+            <a:ext cx="2447925" cy="3238500"/>
+          </a:xfrm>
+          <a:prstGeom prst="rect">
+            <a:avLst/>
+          </a:prstGeom>
+          <a:noFill/>
+          <a:ln>
+            <a:noFill/>
+          </a:ln>
+        </p:spPr>
+      </p:pic>
     </p:spTree>
   </p:cSld>
   <p:clrMapOvr>
@@ -11621,7 +11772,7 @@
   <p:cSld>
     <p:spTree>
       <p:nvGrpSpPr>
-        <p:cNvPr id="203" name="Shape 203"/>
+        <p:cNvPr id="202" name="Shape 202"/>
         <p:cNvGrpSpPr/>
         <p:nvPr/>
       </p:nvGrpSpPr>
@@ -11635,24 +11786,26 @@
       </p:grpSpPr>
       <p:sp>
         <p:nvSpPr>
-          <p:cNvPr id="204" name="Google Shape;204;p35"/>
+          <p:cNvPr id="203" name="Google Shape;203;p35"/>
           <p:cNvSpPr txBox="1"/>
-          <p:nvPr>
-            <p:ph type="title"/>
-          </p:nvPr>
-        </p:nvSpPr>
-        <p:spPr>
-          <a:xfrm>
-            <a:off x="311700" y="445025"/>
-            <a:ext cx="8520600" cy="613200"/>
+          <p:nvPr/>
+        </p:nvSpPr>
+        <p:spPr>
+          <a:xfrm>
+            <a:off x="5009500" y="1247225"/>
+            <a:ext cx="4030200" cy="831300"/>
           </a:xfrm>
           <a:prstGeom prst="rect">
             <a:avLst/>
           </a:prstGeom>
+          <a:noFill/>
+          <a:ln>
+            <a:noFill/>
+          </a:ln>
         </p:spPr>
         <p:txBody>
           <a:bodyPr anchorCtr="0" anchor="t" bIns="91425" lIns="91425" spcFirstLastPara="1" rIns="91425" wrap="square" tIns="91425">
-            <a:normAutofit fontScale="90000"/>
+            <a:spAutoFit/>
           </a:bodyPr>
           <a:lstStyle/>
           <a:p>
@@ -11666,10 +11819,72 @@
               <a:buNone/>
             </a:pPr>
             <a:r>
-              <a:rPr lang="en"/>
-              <a:t>Handling Outlier</a:t>
-            </a:r>
-            <a:endParaRPr/>
+              <a:rPr lang="en">
+                <a:latin typeface="Old Standard TT"/>
+                <a:ea typeface="Old Standard TT"/>
+                <a:cs typeface="Old Standard TT"/>
+                <a:sym typeface="Old Standard TT"/>
+              </a:rPr>
+              <a:t>From this correlation matrix, it can be seen that there is some positive correlation however, not that significant. </a:t>
+            </a:r>
+            <a:endParaRPr>
+              <a:latin typeface="Old Standard TT"/>
+              <a:ea typeface="Old Standard TT"/>
+              <a:cs typeface="Old Standard TT"/>
+              <a:sym typeface="Old Standard TT"/>
+            </a:endParaRPr>
+          </a:p>
+        </p:txBody>
+      </p:sp>
+      <p:sp>
+        <p:nvSpPr>
+          <p:cNvPr id="204" name="Google Shape;204;p35"/>
+          <p:cNvSpPr txBox="1"/>
+          <p:nvPr/>
+        </p:nvSpPr>
+        <p:spPr>
+          <a:xfrm>
+            <a:off x="247375" y="164925"/>
+            <a:ext cx="5524800" cy="600300"/>
+          </a:xfrm>
+          <a:prstGeom prst="rect">
+            <a:avLst/>
+          </a:prstGeom>
+          <a:noFill/>
+          <a:ln>
+            <a:noFill/>
+          </a:ln>
+        </p:spPr>
+        <p:txBody>
+          <a:bodyPr anchorCtr="0" anchor="t" bIns="91425" lIns="91425" spcFirstLastPara="1" rIns="91425" wrap="square" tIns="91425">
+            <a:spAutoFit/>
+          </a:bodyPr>
+          <a:lstStyle/>
+          <a:p>
+            <a:pPr indent="0" lvl="0" marL="0" rtl="0" algn="l">
+              <a:spcBef>
+                <a:spcPts val="0"/>
+              </a:spcBef>
+              <a:spcAft>
+                <a:spcPts val="0"/>
+              </a:spcAft>
+              <a:buNone/>
+            </a:pPr>
+            <a:r>
+              <a:rPr b="1" lang="en" sz="2700">
+                <a:latin typeface="Old Standard TT"/>
+                <a:ea typeface="Old Standard TT"/>
+                <a:cs typeface="Old Standard TT"/>
+                <a:sym typeface="Old Standard TT"/>
+              </a:rPr>
+              <a:t>Correlation between features</a:t>
+            </a:r>
+            <a:endParaRPr b="1" sz="2700">
+              <a:latin typeface="Old Standard TT"/>
+              <a:ea typeface="Old Standard TT"/>
+              <a:cs typeface="Old Standard TT"/>
+              <a:sym typeface="Old Standard TT"/>
+            </a:endParaRPr>
           </a:p>
         </p:txBody>
       </p:sp>
@@ -11689,8 +11904,8 @@
         </p:blipFill>
         <p:spPr>
           <a:xfrm>
-            <a:off x="1234888" y="1286850"/>
-            <a:ext cx="2295525" cy="3276600"/>
+            <a:off x="198425" y="765225"/>
+            <a:ext cx="4489136" cy="4073475"/>
           </a:xfrm>
           <a:prstGeom prst="rect">
             <a:avLst/>
@@ -11701,191 +11916,6 @@
           </a:ln>
         </p:spPr>
       </p:pic>
-      <p:pic>
-        <p:nvPicPr>
-          <p:cNvPr id="206" name="Google Shape;206;p35"/>
-          <p:cNvPicPr preferRelativeResize="0"/>
-          <p:nvPr/>
-        </p:nvPicPr>
-        <p:blipFill>
-          <a:blip r:embed="rId4">
-            <a:alphaModFix/>
-          </a:blip>
-          <a:stretch>
-            <a:fillRect/>
-          </a:stretch>
-        </p:blipFill>
-        <p:spPr>
-          <a:xfrm>
-            <a:off x="6053563" y="1286850"/>
-            <a:ext cx="2228850" cy="3276600"/>
-          </a:xfrm>
-          <a:prstGeom prst="rect">
-            <a:avLst/>
-          </a:prstGeom>
-          <a:noFill/>
-          <a:ln>
-            <a:noFill/>
-          </a:ln>
-        </p:spPr>
-      </p:pic>
-    </p:spTree>
-  </p:cSld>
-  <p:clrMapOvr>
-    <a:masterClrMapping/>
-  </p:clrMapOvr>
-</p:sld>
-</file>
-
-<file path=ppt/slides/slide24.xml><?xml version="1.0" encoding="utf-8"?>
-<p:sld xmlns:a="http://schemas.openxmlformats.org/drawingml/2006/main" xmlns:r="http://schemas.openxmlformats.org/officeDocument/2006/relationships" xmlns:mc="http://schemas.openxmlformats.org/markup-compatibility/2006" xmlns:mv="urn:schemas-microsoft-com:mac:vml" xmlns:p="http://schemas.openxmlformats.org/presentationml/2006/main" xmlns:c="http://schemas.openxmlformats.org/drawingml/2006/chart" xmlns:dgm="http://schemas.openxmlformats.org/drawingml/2006/diagram" xmlns:o="urn:schemas-microsoft-com:office:office" xmlns:v="urn:schemas-microsoft-com:vml" xmlns:pvml="urn:schemas-microsoft-com:office:powerpoint" xmlns:com="http://schemas.openxmlformats.org/drawingml/2006/compatibility" xmlns:p14="http://schemas.microsoft.com/office/powerpoint/2010/main" xmlns:p15="http://schemas.microsoft.com/office/powerpoint/2012/main" xmlns:ahyp="http://schemas.microsoft.com/office/drawing/2018/hyperlinkcolor">
-  <p:cSld>
-    <p:spTree>
-      <p:nvGrpSpPr>
-        <p:cNvPr id="210" name="Shape 210"/>
-        <p:cNvGrpSpPr/>
-        <p:nvPr/>
-      </p:nvGrpSpPr>
-      <p:grpSpPr>
-        <a:xfrm>
-          <a:off x="0" y="0"/>
-          <a:ext cx="0" cy="0"/>
-          <a:chOff x="0" y="0"/>
-          <a:chExt cx="0" cy="0"/>
-        </a:xfrm>
-      </p:grpSpPr>
-      <p:pic>
-        <p:nvPicPr>
-          <p:cNvPr id="211" name="Google Shape;211;p36"/>
-          <p:cNvPicPr preferRelativeResize="0"/>
-          <p:nvPr/>
-        </p:nvPicPr>
-        <p:blipFill>
-          <a:blip r:embed="rId3">
-            <a:alphaModFix/>
-          </a:blip>
-          <a:stretch>
-            <a:fillRect/>
-          </a:stretch>
-        </p:blipFill>
-        <p:spPr>
-          <a:xfrm>
-            <a:off x="131775" y="1042288"/>
-            <a:ext cx="4201845" cy="3780474"/>
-          </a:xfrm>
-          <a:prstGeom prst="rect">
-            <a:avLst/>
-          </a:prstGeom>
-          <a:noFill/>
-          <a:ln>
-            <a:noFill/>
-          </a:ln>
-        </p:spPr>
-      </p:pic>
-      <p:sp>
-        <p:nvSpPr>
-          <p:cNvPr id="212" name="Google Shape;212;p36"/>
-          <p:cNvSpPr txBox="1"/>
-          <p:nvPr/>
-        </p:nvSpPr>
-        <p:spPr>
-          <a:xfrm>
-            <a:off x="5009500" y="1247225"/>
-            <a:ext cx="4030200" cy="831300"/>
-          </a:xfrm>
-          <a:prstGeom prst="rect">
-            <a:avLst/>
-          </a:prstGeom>
-          <a:noFill/>
-          <a:ln>
-            <a:noFill/>
-          </a:ln>
-        </p:spPr>
-        <p:txBody>
-          <a:bodyPr anchorCtr="0" anchor="t" bIns="91425" lIns="91425" spcFirstLastPara="1" rIns="91425" wrap="square" tIns="91425">
-            <a:spAutoFit/>
-          </a:bodyPr>
-          <a:lstStyle/>
-          <a:p>
-            <a:pPr indent="0" lvl="0" marL="0" rtl="0" algn="l">
-              <a:spcBef>
-                <a:spcPts val="0"/>
-              </a:spcBef>
-              <a:spcAft>
-                <a:spcPts val="0"/>
-              </a:spcAft>
-              <a:buNone/>
-            </a:pPr>
-            <a:r>
-              <a:rPr lang="en">
-                <a:latin typeface="Old Standard TT"/>
-                <a:ea typeface="Old Standard TT"/>
-                <a:cs typeface="Old Standard TT"/>
-                <a:sym typeface="Old Standard TT"/>
-              </a:rPr>
-              <a:t>From this correlation matrix, it can be seen that there is some positive correlation however, not that significant. </a:t>
-            </a:r>
-            <a:endParaRPr>
-              <a:latin typeface="Old Standard TT"/>
-              <a:ea typeface="Old Standard TT"/>
-              <a:cs typeface="Old Standard TT"/>
-              <a:sym typeface="Old Standard TT"/>
-            </a:endParaRPr>
-          </a:p>
-        </p:txBody>
-      </p:sp>
-      <p:sp>
-        <p:nvSpPr>
-          <p:cNvPr id="213" name="Google Shape;213;p36"/>
-          <p:cNvSpPr txBox="1"/>
-          <p:nvPr/>
-        </p:nvSpPr>
-        <p:spPr>
-          <a:xfrm>
-            <a:off x="247375" y="164925"/>
-            <a:ext cx="5524800" cy="600300"/>
-          </a:xfrm>
-          <a:prstGeom prst="rect">
-            <a:avLst/>
-          </a:prstGeom>
-          <a:noFill/>
-          <a:ln>
-            <a:noFill/>
-          </a:ln>
-        </p:spPr>
-        <p:txBody>
-          <a:bodyPr anchorCtr="0" anchor="t" bIns="91425" lIns="91425" spcFirstLastPara="1" rIns="91425" wrap="square" tIns="91425">
-            <a:spAutoFit/>
-          </a:bodyPr>
-          <a:lstStyle/>
-          <a:p>
-            <a:pPr indent="0" lvl="0" marL="0" rtl="0" algn="l">
-              <a:spcBef>
-                <a:spcPts val="0"/>
-              </a:spcBef>
-              <a:spcAft>
-                <a:spcPts val="0"/>
-              </a:spcAft>
-              <a:buNone/>
-            </a:pPr>
-            <a:r>
-              <a:rPr b="1" lang="en" sz="2700">
-                <a:latin typeface="Old Standard TT"/>
-                <a:ea typeface="Old Standard TT"/>
-                <a:cs typeface="Old Standard TT"/>
-                <a:sym typeface="Old Standard TT"/>
-              </a:rPr>
-              <a:t>Correlation between features</a:t>
-            </a:r>
-            <a:endParaRPr b="1" sz="2700">
-              <a:latin typeface="Old Standard TT"/>
-              <a:ea typeface="Old Standard TT"/>
-              <a:cs typeface="Old Standard TT"/>
-              <a:sym typeface="Old Standard TT"/>
-            </a:endParaRPr>
-          </a:p>
-        </p:txBody>
-      </p:sp>
     </p:spTree>
   </p:cSld>
   <p:clrMapOvr>
@@ -11925,7 +11955,7 @@
                                           </p:stCondLst>
                                         </p:cTn>
                                         <p:tgtEl>
-                                          <p:spTgt spid="211"/>
+                                          <p:spTgt spid="203"/>
                                         </p:tgtEl>
                                         <p:attrNameLst>
                                           <p:attrName>style.visibility</p:attrName>
@@ -11939,60 +11969,7 @@
                                       <p:cBhvr>
                                         <p:cTn dur="1000"/>
                                         <p:tgtEl>
-                                          <p:spTgt spid="211"/>
-                                        </p:tgtEl>
-                                      </p:cBhvr>
-                                    </p:animEffect>
-                                  </p:childTnLst>
-                                </p:cTn>
-                              </p:par>
-                            </p:childTnLst>
-                          </p:cTn>
-                        </p:par>
-                      </p:childTnLst>
-                    </p:cTn>
-                  </p:par>
-                  <p:par>
-                    <p:cTn fill="hold">
-                      <p:stCondLst>
-                        <p:cond delay="indefinite"/>
-                      </p:stCondLst>
-                      <p:childTnLst>
-                        <p:par>
-                          <p:cTn fill="hold">
-                            <p:stCondLst>
-                              <p:cond delay="0"/>
-                            </p:stCondLst>
-                            <p:childTnLst>
-                              <p:par>
-                                <p:cTn fill="hold" nodeType="clickEffect" presetClass="entr" presetID="10" presetSubtype="0">
-                                  <p:stCondLst>
-                                    <p:cond delay="0"/>
-                                  </p:stCondLst>
-                                  <p:childTnLst>
-                                    <p:set>
-                                      <p:cBhvr>
-                                        <p:cTn dur="1" fill="hold">
-                                          <p:stCondLst>
-                                            <p:cond delay="0"/>
-                                          </p:stCondLst>
-                                        </p:cTn>
-                                        <p:tgtEl>
-                                          <p:spTgt spid="212"/>
-                                        </p:tgtEl>
-                                        <p:attrNameLst>
-                                          <p:attrName>style.visibility</p:attrName>
-                                        </p:attrNameLst>
-                                      </p:cBhvr>
-                                      <p:to>
-                                        <p:strVal val="visible"/>
-                                      </p:to>
-                                    </p:set>
-                                    <p:animEffect filter="fade" transition="in">
-                                      <p:cBhvr>
-                                        <p:cTn dur="1000"/>
-                                        <p:tgtEl>
-                                          <p:spTgt spid="212"/>
+                                          <p:spTgt spid="203"/>
                                         </p:tgtEl>
                                       </p:cBhvr>
                                     </p:animEffect>
@@ -12030,12 +12007,12 @@
 </p:sld>
 </file>
 
-<file path=ppt/slides/slide25.xml><?xml version="1.0" encoding="utf-8"?>
+<file path=ppt/slides/slide24.xml><?xml version="1.0" encoding="utf-8"?>
 <p:sld xmlns:a="http://schemas.openxmlformats.org/drawingml/2006/main" xmlns:r="http://schemas.openxmlformats.org/officeDocument/2006/relationships" xmlns:mc="http://schemas.openxmlformats.org/markup-compatibility/2006" xmlns:mv="urn:schemas-microsoft-com:mac:vml" xmlns:p="http://schemas.openxmlformats.org/presentationml/2006/main" xmlns:c="http://schemas.openxmlformats.org/drawingml/2006/chart" xmlns:dgm="http://schemas.openxmlformats.org/drawingml/2006/diagram" xmlns:o="urn:schemas-microsoft-com:office:office" xmlns:v="urn:schemas-microsoft-com:vml" xmlns:pvml="urn:schemas-microsoft-com:office:powerpoint" xmlns:com="http://schemas.openxmlformats.org/drawingml/2006/compatibility" xmlns:p14="http://schemas.microsoft.com/office/powerpoint/2010/main" xmlns:p15="http://schemas.microsoft.com/office/powerpoint/2012/main" xmlns:ahyp="http://schemas.microsoft.com/office/drawing/2018/hyperlinkcolor">
   <p:cSld>
     <p:spTree>
       <p:nvGrpSpPr>
-        <p:cNvPr id="217" name="Shape 217"/>
+        <p:cNvPr id="209" name="Shape 209"/>
         <p:cNvGrpSpPr/>
         <p:nvPr/>
       </p:nvGrpSpPr>
@@ -12049,7 +12026,7 @@
       </p:grpSpPr>
       <p:sp>
         <p:nvSpPr>
-          <p:cNvPr id="218" name="Google Shape;218;p37"/>
+          <p:cNvPr id="210" name="Google Shape;210;p36"/>
           <p:cNvSpPr txBox="1"/>
           <p:nvPr>
             <p:ph type="title"/>
@@ -12095,12 +12072,12 @@
 </p:sld>
 </file>
 
-<file path=ppt/slides/slide26.xml><?xml version="1.0" encoding="utf-8"?>
+<file path=ppt/slides/slide25.xml><?xml version="1.0" encoding="utf-8"?>
 <p:sld xmlns:a="http://schemas.openxmlformats.org/drawingml/2006/main" xmlns:r="http://schemas.openxmlformats.org/officeDocument/2006/relationships" xmlns:mc="http://schemas.openxmlformats.org/markup-compatibility/2006" xmlns:mv="urn:schemas-microsoft-com:mac:vml" xmlns:p="http://schemas.openxmlformats.org/presentationml/2006/main" xmlns:c="http://schemas.openxmlformats.org/drawingml/2006/chart" xmlns:dgm="http://schemas.openxmlformats.org/drawingml/2006/diagram" xmlns:o="urn:schemas-microsoft-com:office:office" xmlns:v="urn:schemas-microsoft-com:vml" xmlns:pvml="urn:schemas-microsoft-com:office:powerpoint" xmlns:com="http://schemas.openxmlformats.org/drawingml/2006/compatibility" xmlns:p14="http://schemas.microsoft.com/office/powerpoint/2010/main" xmlns:p15="http://schemas.microsoft.com/office/powerpoint/2012/main" xmlns:ahyp="http://schemas.microsoft.com/office/drawing/2018/hyperlinkcolor">
   <p:cSld>
     <p:spTree>
       <p:nvGrpSpPr>
-        <p:cNvPr id="222" name="Shape 222"/>
+        <p:cNvPr id="214" name="Shape 214"/>
         <p:cNvGrpSpPr/>
         <p:nvPr/>
       </p:nvGrpSpPr>
@@ -12114,7 +12091,7 @@
       </p:grpSpPr>
       <p:sp>
         <p:nvSpPr>
-          <p:cNvPr id="223" name="Google Shape;223;p38"/>
+          <p:cNvPr id="215" name="Google Shape;215;p37"/>
           <p:cNvSpPr txBox="1"/>
           <p:nvPr>
             <p:ph idx="1" type="body"/>
@@ -12249,7 +12226,7 @@
       </p:sp>
       <p:pic>
         <p:nvPicPr>
-          <p:cNvPr id="224" name="Google Shape;224;p38"/>
+          <p:cNvPr id="216" name="Google Shape;216;p37"/>
           <p:cNvPicPr preferRelativeResize="0"/>
           <p:nvPr/>
         </p:nvPicPr>
@@ -12263,8 +12240,8 @@
         </p:blipFill>
         <p:spPr>
           <a:xfrm>
-            <a:off x="3710750" y="721547"/>
-            <a:ext cx="3994325" cy="2700700"/>
+            <a:off x="3313350" y="557826"/>
+            <a:ext cx="5518950" cy="3731550"/>
           </a:xfrm>
           <a:prstGeom prst="rect">
             <a:avLst/>
@@ -12277,7 +12254,7 @@
       </p:pic>
       <p:sp>
         <p:nvSpPr>
-          <p:cNvPr id="225" name="Google Shape;225;p38"/>
+          <p:cNvPr id="217" name="Google Shape;217;p37"/>
           <p:cNvSpPr txBox="1"/>
           <p:nvPr/>
         </p:nvSpPr>
@@ -12432,7 +12409,7 @@
                                           </p:stCondLst>
                                         </p:cTn>
                                         <p:tgtEl>
-                                          <p:spTgt spid="225"/>
+                                          <p:spTgt spid="217"/>
                                         </p:tgtEl>
                                         <p:attrNameLst>
                                           <p:attrName>style.visibility</p:attrName>
@@ -12446,7 +12423,7 @@
                                       <p:cBhvr>
                                         <p:cTn dur="1000"/>
                                         <p:tgtEl>
-                                          <p:spTgt spid="225"/>
+                                          <p:spTgt spid="217"/>
                                         </p:tgtEl>
                                       </p:cBhvr>
                                     </p:animEffect>
@@ -12485,7 +12462,7 @@
                                           </p:stCondLst>
                                         </p:cTn>
                                         <p:tgtEl>
-                                          <p:spTgt spid="224"/>
+                                          <p:spTgt spid="216"/>
                                         </p:tgtEl>
                                         <p:attrNameLst>
                                           <p:attrName>style.visibility</p:attrName>
@@ -12499,7 +12476,7 @@
                                       <p:cBhvr>
                                         <p:cTn dur="1000"/>
                                         <p:tgtEl>
-                                          <p:spTgt spid="224"/>
+                                          <p:spTgt spid="216"/>
                                         </p:tgtEl>
                                       </p:cBhvr>
                                     </p:animEffect>
@@ -12537,12 +12514,12 @@
 </p:sld>
 </file>
 
-<file path=ppt/slides/slide27.xml><?xml version="1.0" encoding="utf-8"?>
+<file path=ppt/slides/slide26.xml><?xml version="1.0" encoding="utf-8"?>
 <p:sld xmlns:a="http://schemas.openxmlformats.org/drawingml/2006/main" xmlns:r="http://schemas.openxmlformats.org/officeDocument/2006/relationships" xmlns:mc="http://schemas.openxmlformats.org/markup-compatibility/2006" xmlns:mv="urn:schemas-microsoft-com:mac:vml" xmlns:p="http://schemas.openxmlformats.org/presentationml/2006/main" xmlns:c="http://schemas.openxmlformats.org/drawingml/2006/chart" xmlns:dgm="http://schemas.openxmlformats.org/drawingml/2006/diagram" xmlns:o="urn:schemas-microsoft-com:office:office" xmlns:v="urn:schemas-microsoft-com:vml" xmlns:pvml="urn:schemas-microsoft-com:office:powerpoint" xmlns:com="http://schemas.openxmlformats.org/drawingml/2006/compatibility" xmlns:p14="http://schemas.microsoft.com/office/powerpoint/2010/main" xmlns:p15="http://schemas.microsoft.com/office/powerpoint/2012/main" xmlns:ahyp="http://schemas.microsoft.com/office/drawing/2018/hyperlinkcolor">
   <p:cSld>
     <p:spTree>
       <p:nvGrpSpPr>
-        <p:cNvPr id="229" name="Shape 229"/>
+        <p:cNvPr id="221" name="Shape 221"/>
         <p:cNvGrpSpPr/>
         <p:nvPr/>
       </p:nvGrpSpPr>
@@ -12556,46 +12533,7 @@
       </p:grpSpPr>
       <p:sp>
         <p:nvSpPr>
-          <p:cNvPr id="230" name="Google Shape;230;p39"/>
-          <p:cNvSpPr txBox="1"/>
-          <p:nvPr>
-            <p:ph type="title"/>
-          </p:nvPr>
-        </p:nvSpPr>
-        <p:spPr>
-          <a:xfrm>
-            <a:off x="311700" y="445025"/>
-            <a:ext cx="8520600" cy="613200"/>
-          </a:xfrm>
-          <a:prstGeom prst="rect">
-            <a:avLst/>
-          </a:prstGeom>
-        </p:spPr>
-        <p:txBody>
-          <a:bodyPr anchorCtr="0" anchor="t" bIns="91425" lIns="91425" spcFirstLastPara="1" rIns="91425" wrap="square" tIns="91425">
-            <a:normAutofit fontScale="90000"/>
-          </a:bodyPr>
-          <a:lstStyle/>
-          <a:p>
-            <a:pPr indent="0" lvl="0" marL="0" rtl="0" algn="l">
-              <a:spcBef>
-                <a:spcPts val="0"/>
-              </a:spcBef>
-              <a:spcAft>
-                <a:spcPts val="0"/>
-              </a:spcAft>
-              <a:buNone/>
-            </a:pPr>
-            <a:r>
-              <a:t/>
-            </a:r>
-            <a:endParaRPr/>
-          </a:p>
-        </p:txBody>
-      </p:sp>
-      <p:sp>
-        <p:nvSpPr>
-          <p:cNvPr id="231" name="Google Shape;231;p39"/>
+          <p:cNvPr id="222" name="Google Shape;222;p38"/>
           <p:cNvSpPr txBox="1"/>
           <p:nvPr>
             <p:ph idx="1" type="body"/>
@@ -12670,7 +12608,7 @@
       </p:sp>
       <p:pic>
         <p:nvPicPr>
-          <p:cNvPr id="232" name="Google Shape;232;p39"/>
+          <p:cNvPr id="223" name="Google Shape;223;p38"/>
           <p:cNvPicPr preferRelativeResize="0"/>
           <p:nvPr/>
         </p:nvPicPr>
@@ -12684,8 +12622,136 @@
         </p:blipFill>
         <p:spPr>
           <a:xfrm>
-            <a:off x="3634475" y="1263238"/>
-            <a:ext cx="5029200" cy="3400425"/>
+            <a:off x="2763075" y="376903"/>
+            <a:ext cx="6199775" cy="4191900"/>
+          </a:xfrm>
+          <a:prstGeom prst="rect">
+            <a:avLst/>
+          </a:prstGeom>
+          <a:noFill/>
+          <a:ln>
+            <a:noFill/>
+          </a:ln>
+        </p:spPr>
+      </p:pic>
+    </p:spTree>
+  </p:cSld>
+  <p:clrMapOvr>
+    <a:masterClrMapping/>
+  </p:clrMapOvr>
+</p:sld>
+</file>
+
+<file path=ppt/slides/slide27.xml><?xml version="1.0" encoding="utf-8"?>
+<p:sld xmlns:a="http://schemas.openxmlformats.org/drawingml/2006/main" xmlns:r="http://schemas.openxmlformats.org/officeDocument/2006/relationships" xmlns:mc="http://schemas.openxmlformats.org/markup-compatibility/2006" xmlns:mv="urn:schemas-microsoft-com:mac:vml" xmlns:p="http://schemas.openxmlformats.org/presentationml/2006/main" xmlns:c="http://schemas.openxmlformats.org/drawingml/2006/chart" xmlns:dgm="http://schemas.openxmlformats.org/drawingml/2006/diagram" xmlns:o="urn:schemas-microsoft-com:office:office" xmlns:v="urn:schemas-microsoft-com:vml" xmlns:pvml="urn:schemas-microsoft-com:office:powerpoint" xmlns:com="http://schemas.openxmlformats.org/drawingml/2006/compatibility" xmlns:p14="http://schemas.microsoft.com/office/powerpoint/2010/main" xmlns:p15="http://schemas.microsoft.com/office/powerpoint/2012/main" xmlns:ahyp="http://schemas.microsoft.com/office/drawing/2018/hyperlinkcolor">
+  <p:cSld>
+    <p:spTree>
+      <p:nvGrpSpPr>
+        <p:cNvPr id="227" name="Shape 227"/>
+        <p:cNvGrpSpPr/>
+        <p:nvPr/>
+      </p:nvGrpSpPr>
+      <p:grpSpPr>
+        <a:xfrm>
+          <a:off x="0" y="0"/>
+          <a:ext cx="0" cy="0"/>
+          <a:chOff x="0" y="0"/>
+          <a:chExt cx="0" cy="0"/>
+        </a:xfrm>
+      </p:grpSpPr>
+      <p:sp>
+        <p:nvSpPr>
+          <p:cNvPr id="228" name="Google Shape;228;p39"/>
+          <p:cNvSpPr txBox="1"/>
+          <p:nvPr>
+            <p:ph idx="1" type="body"/>
+          </p:nvPr>
+        </p:nvSpPr>
+        <p:spPr>
+          <a:xfrm>
+            <a:off x="311700" y="1171600"/>
+            <a:ext cx="8520600" cy="3397200"/>
+          </a:xfrm>
+          <a:prstGeom prst="rect">
+            <a:avLst/>
+          </a:prstGeom>
+        </p:spPr>
+        <p:txBody>
+          <a:bodyPr anchorCtr="0" anchor="t" bIns="91425" lIns="91425" spcFirstLastPara="1" rIns="91425" wrap="square" tIns="91425">
+            <a:normAutofit/>
+          </a:bodyPr>
+          <a:lstStyle/>
+          <a:p>
+            <a:pPr indent="0" lvl="0" marL="0" rtl="0" algn="l">
+              <a:spcBef>
+                <a:spcPts val="0"/>
+              </a:spcBef>
+              <a:spcAft>
+                <a:spcPts val="0"/>
+              </a:spcAft>
+              <a:buNone/>
+            </a:pPr>
+            <a:r>
+              <a:rPr lang="en"/>
+              <a:t>Lasso</a:t>
+            </a:r>
+            <a:endParaRPr/>
+          </a:p>
+          <a:p>
+            <a:pPr indent="0" lvl="0" marL="0" rtl="0" algn="l">
+              <a:spcBef>
+                <a:spcPts val="1200"/>
+              </a:spcBef>
+              <a:spcAft>
+                <a:spcPts val="0"/>
+              </a:spcAft>
+              <a:buNone/>
+            </a:pPr>
+            <a:r>
+              <a:rPr lang="en"/>
+              <a:t>R2_score: -0.000203</a:t>
+            </a:r>
+            <a:endParaRPr sz="1400">
+              <a:solidFill>
+                <a:srgbClr val="000000"/>
+              </a:solidFill>
+            </a:endParaRPr>
+          </a:p>
+          <a:p>
+            <a:pPr indent="0" lvl="0" marL="0" rtl="0" algn="l">
+              <a:spcBef>
+                <a:spcPts val="1200"/>
+              </a:spcBef>
+              <a:spcAft>
+                <a:spcPts val="1200"/>
+              </a:spcAft>
+              <a:buNone/>
+            </a:pPr>
+            <a:r>
+              <a:t/>
+            </a:r>
+            <a:endParaRPr/>
+          </a:p>
+        </p:txBody>
+      </p:sp>
+      <p:pic>
+        <p:nvPicPr>
+          <p:cNvPr id="229" name="Google Shape;229;p39"/>
+          <p:cNvPicPr preferRelativeResize="0"/>
+          <p:nvPr/>
+        </p:nvPicPr>
+        <p:blipFill>
+          <a:blip r:embed="rId3">
+            <a:alphaModFix/>
+          </a:blip>
+          <a:stretch>
+            <a:fillRect/>
+          </a:stretch>
+        </p:blipFill>
+        <p:spPr>
+          <a:xfrm>
+            <a:off x="2816750" y="161100"/>
+            <a:ext cx="6107600" cy="4543800"/>
           </a:xfrm>
           <a:prstGeom prst="rect">
             <a:avLst/>
@@ -12709,7 +12775,7 @@
   <p:cSld>
     <p:spTree>
       <p:nvGrpSpPr>
-        <p:cNvPr id="236" name="Shape 236"/>
+        <p:cNvPr id="233" name="Shape 233"/>
         <p:cNvGrpSpPr/>
         <p:nvPr/>
       </p:nvGrpSpPr>
@@ -12723,7 +12789,7 @@
       </p:grpSpPr>
       <p:sp>
         <p:nvSpPr>
-          <p:cNvPr id="237" name="Google Shape;237;p40"/>
+          <p:cNvPr id="234" name="Google Shape;234;p40"/>
           <p:cNvSpPr txBox="1"/>
           <p:nvPr>
             <p:ph idx="1" type="body"/>
@@ -12731,7 +12797,7 @@
         </p:nvSpPr>
         <p:spPr>
           <a:xfrm>
-            <a:off x="247650" y="1161575"/>
+            <a:off x="116100" y="1171600"/>
             <a:ext cx="8520600" cy="3397200"/>
           </a:xfrm>
           <a:prstGeom prst="rect">
@@ -12754,7 +12820,8 @@
               <a:buNone/>
             </a:pPr>
             <a:r>
-              <a:t/>
+              <a:rPr lang="en"/>
+              <a:t>Random Forest Regressor </a:t>
             </a:r>
             <a:endParaRPr/>
           </a:p>
@@ -12764,27 +12831,17 @@
                 <a:spcPts val="1200"/>
               </a:spcBef>
               <a:spcAft>
-                <a:spcPts val="0"/>
-              </a:spcAft>
-              <a:buNone/>
-            </a:pPr>
-            <a:r>
-              <a:t/>
-            </a:r>
-            <a:endParaRPr/>
-          </a:p>
-          <a:p>
-            <a:pPr indent="0" lvl="0" marL="0" rtl="0" algn="l">
-              <a:spcBef>
                 <a:spcPts val="1200"/>
-              </a:spcBef>
-              <a:spcAft>
-                <a:spcPts val="1200"/>
-              </a:spcAft>
-              <a:buNone/>
-            </a:pPr>
-            <a:r>
-              <a:t/>
+              </a:spcAft>
+              <a:buNone/>
+            </a:pPr>
+            <a:r>
+              <a:rPr lang="en"/>
+              <a:t>R2_score: </a:t>
+            </a:r>
+            <a:r>
+              <a:rPr lang="en"/>
+              <a:t>-0.179028</a:t>
             </a:r>
             <a:endParaRPr/>
           </a:p>
@@ -12792,7 +12849,7 @@
       </p:sp>
       <p:pic>
         <p:nvPicPr>
-          <p:cNvPr id="238" name="Google Shape;238;p40"/>
+          <p:cNvPr id="235" name="Google Shape;235;p40"/>
           <p:cNvPicPr preferRelativeResize="0"/>
           <p:nvPr/>
         </p:nvPicPr>
@@ -12806,8 +12863,8 @@
         </p:blipFill>
         <p:spPr>
           <a:xfrm>
-            <a:off x="3927199" y="696324"/>
-            <a:ext cx="4542124" cy="3173250"/>
+            <a:off x="2972550" y="435650"/>
+            <a:ext cx="6112900" cy="4133150"/>
           </a:xfrm>
           <a:prstGeom prst="rect">
             <a:avLst/>
@@ -12818,9 +12875,131 @@
           </a:ln>
         </p:spPr>
       </p:pic>
-      <p:sp>
-        <p:nvSpPr>
-          <p:cNvPr id="239" name="Google Shape;239;p40"/>
+    </p:spTree>
+  </p:cSld>
+  <p:clrMapOvr>
+    <a:masterClrMapping/>
+  </p:clrMapOvr>
+</p:sld>
+</file>
+
+<file path=ppt/slides/slide29.xml><?xml version="1.0" encoding="utf-8"?>
+<p:sld xmlns:a="http://schemas.openxmlformats.org/drawingml/2006/main" xmlns:r="http://schemas.openxmlformats.org/officeDocument/2006/relationships" xmlns:mc="http://schemas.openxmlformats.org/markup-compatibility/2006" xmlns:mv="urn:schemas-microsoft-com:mac:vml" xmlns:p="http://schemas.openxmlformats.org/presentationml/2006/main" xmlns:c="http://schemas.openxmlformats.org/drawingml/2006/chart" xmlns:dgm="http://schemas.openxmlformats.org/drawingml/2006/diagram" xmlns:o="urn:schemas-microsoft-com:office:office" xmlns:v="urn:schemas-microsoft-com:vml" xmlns:pvml="urn:schemas-microsoft-com:office:powerpoint" xmlns:com="http://schemas.openxmlformats.org/drawingml/2006/compatibility" xmlns:p14="http://schemas.microsoft.com/office/powerpoint/2010/main" xmlns:p15="http://schemas.microsoft.com/office/powerpoint/2012/main" xmlns:ahyp="http://schemas.microsoft.com/office/drawing/2018/hyperlinkcolor">
+  <p:cSld>
+    <p:spTree>
+      <p:nvGrpSpPr>
+        <p:cNvPr id="239" name="Shape 239"/>
+        <p:cNvGrpSpPr/>
+        <p:nvPr/>
+      </p:nvGrpSpPr>
+      <p:grpSpPr>
+        <a:xfrm>
+          <a:off x="0" y="0"/>
+          <a:ext cx="0" cy="0"/>
+          <a:chOff x="0" y="0"/>
+          <a:chExt cx="0" cy="0"/>
+        </a:xfrm>
+      </p:grpSpPr>
+      <p:sp>
+        <p:nvSpPr>
+          <p:cNvPr id="240" name="Google Shape;240;p41"/>
+          <p:cNvSpPr txBox="1"/>
+          <p:nvPr>
+            <p:ph idx="1" type="body"/>
+          </p:nvPr>
+        </p:nvSpPr>
+        <p:spPr>
+          <a:xfrm>
+            <a:off x="247650" y="1161575"/>
+            <a:ext cx="8520600" cy="3397200"/>
+          </a:xfrm>
+          <a:prstGeom prst="rect">
+            <a:avLst/>
+          </a:prstGeom>
+        </p:spPr>
+        <p:txBody>
+          <a:bodyPr anchorCtr="0" anchor="t" bIns="91425" lIns="91425" spcFirstLastPara="1" rIns="91425" wrap="square" tIns="91425">
+            <a:normAutofit/>
+          </a:bodyPr>
+          <a:lstStyle/>
+          <a:p>
+            <a:pPr indent="0" lvl="0" marL="0" rtl="0" algn="l">
+              <a:spcBef>
+                <a:spcPts val="0"/>
+              </a:spcBef>
+              <a:spcAft>
+                <a:spcPts val="0"/>
+              </a:spcAft>
+              <a:buNone/>
+            </a:pPr>
+            <a:r>
+              <a:t/>
+            </a:r>
+            <a:endParaRPr/>
+          </a:p>
+          <a:p>
+            <a:pPr indent="0" lvl="0" marL="0" rtl="0" algn="l">
+              <a:spcBef>
+                <a:spcPts val="1200"/>
+              </a:spcBef>
+              <a:spcAft>
+                <a:spcPts val="0"/>
+              </a:spcAft>
+              <a:buNone/>
+            </a:pPr>
+            <a:r>
+              <a:t/>
+            </a:r>
+            <a:endParaRPr/>
+          </a:p>
+          <a:p>
+            <a:pPr indent="0" lvl="0" marL="0" rtl="0" algn="l">
+              <a:spcBef>
+                <a:spcPts val="1200"/>
+              </a:spcBef>
+              <a:spcAft>
+                <a:spcPts val="1200"/>
+              </a:spcAft>
+              <a:buNone/>
+            </a:pPr>
+            <a:r>
+              <a:t/>
+            </a:r>
+            <a:endParaRPr/>
+          </a:p>
+        </p:txBody>
+      </p:sp>
+      <p:pic>
+        <p:nvPicPr>
+          <p:cNvPr id="241" name="Google Shape;241;p41"/>
+          <p:cNvPicPr preferRelativeResize="0"/>
+          <p:nvPr/>
+        </p:nvPicPr>
+        <p:blipFill>
+          <a:blip r:embed="rId3">
+            <a:alphaModFix/>
+          </a:blip>
+          <a:stretch>
+            <a:fillRect/>
+          </a:stretch>
+        </p:blipFill>
+        <p:spPr>
+          <a:xfrm>
+            <a:off x="2940701" y="310675"/>
+            <a:ext cx="6080625" cy="4248100"/>
+          </a:xfrm>
+          <a:prstGeom prst="rect">
+            <a:avLst/>
+          </a:prstGeom>
+          <a:noFill/>
+          <a:ln>
+            <a:noFill/>
+          </a:ln>
+        </p:spPr>
+      </p:pic>
+      <p:sp>
+        <p:nvSpPr>
+          <p:cNvPr id="242" name="Google Shape;242;p41"/>
           <p:cNvSpPr txBox="1"/>
           <p:nvPr/>
         </p:nvSpPr>
@@ -12955,7 +13134,7 @@
                                           </p:stCondLst>
                                         </p:cTn>
                                         <p:tgtEl>
-                                          <p:spTgt spid="239"/>
+                                          <p:spTgt spid="242"/>
                                         </p:tgtEl>
                                         <p:attrNameLst>
                                           <p:attrName>style.visibility</p:attrName>
@@ -12969,7 +13148,7 @@
                                       <p:cBhvr>
                                         <p:cTn dur="1000"/>
                                         <p:tgtEl>
-                                          <p:spTgt spid="239"/>
+                                          <p:spTgt spid="242"/>
                                         </p:tgtEl>
                                       </p:cBhvr>
                                     </p:animEffect>
@@ -13008,7 +13187,7 @@
                                           </p:stCondLst>
                                         </p:cTn>
                                         <p:tgtEl>
-                                          <p:spTgt spid="238"/>
+                                          <p:spTgt spid="241"/>
                                         </p:tgtEl>
                                         <p:attrNameLst>
                                           <p:attrName>style.visibility</p:attrName>
@@ -13022,7 +13201,7 @@
                                       <p:cBhvr>
                                         <p:cTn dur="1000"/>
                                         <p:tgtEl>
-                                          <p:spTgt spid="238"/>
+                                          <p:spTgt spid="241"/>
                                         </p:tgtEl>
                                       </p:cBhvr>
                                     </p:animEffect>
@@ -13057,173 +13236,6 @@
       </p:par>
     </p:tnLst>
   </p:timing>
-</p:sld>
-</file>
-
-<file path=ppt/slides/slide29.xml><?xml version="1.0" encoding="utf-8"?>
-<p:sld xmlns:a="http://schemas.openxmlformats.org/drawingml/2006/main" xmlns:r="http://schemas.openxmlformats.org/officeDocument/2006/relationships" xmlns:mc="http://schemas.openxmlformats.org/markup-compatibility/2006" xmlns:mv="urn:schemas-microsoft-com:mac:vml" xmlns:p="http://schemas.openxmlformats.org/presentationml/2006/main" xmlns:c="http://schemas.openxmlformats.org/drawingml/2006/chart" xmlns:dgm="http://schemas.openxmlformats.org/drawingml/2006/diagram" xmlns:o="urn:schemas-microsoft-com:office:office" xmlns:v="urn:schemas-microsoft-com:vml" xmlns:pvml="urn:schemas-microsoft-com:office:powerpoint" xmlns:com="http://schemas.openxmlformats.org/drawingml/2006/compatibility" xmlns:p14="http://schemas.microsoft.com/office/powerpoint/2010/main" xmlns:p15="http://schemas.microsoft.com/office/powerpoint/2012/main" xmlns:ahyp="http://schemas.microsoft.com/office/drawing/2018/hyperlinkcolor">
-  <p:cSld>
-    <p:spTree>
-      <p:nvGrpSpPr>
-        <p:cNvPr id="243" name="Shape 243"/>
-        <p:cNvGrpSpPr/>
-        <p:nvPr/>
-      </p:nvGrpSpPr>
-      <p:grpSpPr>
-        <a:xfrm>
-          <a:off x="0" y="0"/>
-          <a:ext cx="0" cy="0"/>
-          <a:chOff x="0" y="0"/>
-          <a:chExt cx="0" cy="0"/>
-        </a:xfrm>
-      </p:grpSpPr>
-      <p:sp>
-        <p:nvSpPr>
-          <p:cNvPr id="244" name="Google Shape;244;p41"/>
-          <p:cNvSpPr txBox="1"/>
-          <p:nvPr>
-            <p:ph type="title"/>
-          </p:nvPr>
-        </p:nvSpPr>
-        <p:spPr>
-          <a:xfrm>
-            <a:off x="311700" y="445025"/>
-            <a:ext cx="8520600" cy="613200"/>
-          </a:xfrm>
-          <a:prstGeom prst="rect">
-            <a:avLst/>
-          </a:prstGeom>
-        </p:spPr>
-        <p:txBody>
-          <a:bodyPr anchorCtr="0" anchor="t" bIns="91425" lIns="91425" spcFirstLastPara="1" rIns="91425" wrap="square" tIns="91425">
-            <a:normAutofit fontScale="90000"/>
-          </a:bodyPr>
-          <a:lstStyle/>
-          <a:p>
-            <a:pPr indent="0" lvl="0" marL="0" rtl="0" algn="l">
-              <a:spcBef>
-                <a:spcPts val="0"/>
-              </a:spcBef>
-              <a:spcAft>
-                <a:spcPts val="0"/>
-              </a:spcAft>
-              <a:buNone/>
-            </a:pPr>
-            <a:r>
-              <a:t/>
-            </a:r>
-            <a:endParaRPr/>
-          </a:p>
-        </p:txBody>
-      </p:sp>
-      <p:sp>
-        <p:nvSpPr>
-          <p:cNvPr id="245" name="Google Shape;245;p41"/>
-          <p:cNvSpPr txBox="1"/>
-          <p:nvPr>
-            <p:ph idx="1" type="body"/>
-          </p:nvPr>
-        </p:nvSpPr>
-        <p:spPr>
-          <a:xfrm>
-            <a:off x="311700" y="1171600"/>
-            <a:ext cx="8520600" cy="3397200"/>
-          </a:xfrm>
-          <a:prstGeom prst="rect">
-            <a:avLst/>
-          </a:prstGeom>
-        </p:spPr>
-        <p:txBody>
-          <a:bodyPr anchorCtr="0" anchor="t" bIns="91425" lIns="91425" spcFirstLastPara="1" rIns="91425" wrap="square" tIns="91425">
-            <a:normAutofit/>
-          </a:bodyPr>
-          <a:lstStyle/>
-          <a:p>
-            <a:pPr indent="0" lvl="0" marL="0" rtl="0" algn="l">
-              <a:spcBef>
-                <a:spcPts val="0"/>
-              </a:spcBef>
-              <a:spcAft>
-                <a:spcPts val="0"/>
-              </a:spcAft>
-              <a:buNone/>
-            </a:pPr>
-            <a:r>
-              <a:rPr lang="en"/>
-              <a:t>Lasso</a:t>
-            </a:r>
-            <a:endParaRPr/>
-          </a:p>
-          <a:p>
-            <a:pPr indent="0" lvl="0" marL="0" rtl="0" algn="l">
-              <a:spcBef>
-                <a:spcPts val="1200"/>
-              </a:spcBef>
-              <a:spcAft>
-                <a:spcPts val="0"/>
-              </a:spcAft>
-              <a:buNone/>
-            </a:pPr>
-            <a:r>
-              <a:rPr lang="en"/>
-              <a:t>R2_score: -0.000203</a:t>
-            </a:r>
-            <a:endParaRPr sz="1400">
-              <a:solidFill>
-                <a:srgbClr val="000000"/>
-              </a:solidFill>
-            </a:endParaRPr>
-          </a:p>
-          <a:p>
-            <a:pPr indent="0" lvl="0" marL="0" rtl="0" algn="l">
-              <a:spcBef>
-                <a:spcPts val="1200"/>
-              </a:spcBef>
-              <a:spcAft>
-                <a:spcPts val="1200"/>
-              </a:spcAft>
-              <a:buNone/>
-            </a:pPr>
-            <a:r>
-              <a:t/>
-            </a:r>
-            <a:endParaRPr/>
-          </a:p>
-        </p:txBody>
-      </p:sp>
-      <p:pic>
-        <p:nvPicPr>
-          <p:cNvPr id="246" name="Google Shape;246;p41"/>
-          <p:cNvPicPr preferRelativeResize="0"/>
-          <p:nvPr/>
-        </p:nvPicPr>
-        <p:blipFill>
-          <a:blip r:embed="rId3">
-            <a:alphaModFix/>
-          </a:blip>
-          <a:stretch>
-            <a:fillRect/>
-          </a:stretch>
-        </p:blipFill>
-        <p:spPr>
-          <a:xfrm>
-            <a:off x="3803100" y="1304463"/>
-            <a:ext cx="5029200" cy="3400425"/>
-          </a:xfrm>
-          <a:prstGeom prst="rect">
-            <a:avLst/>
-          </a:prstGeom>
-          <a:noFill/>
-          <a:ln>
-            <a:noFill/>
-          </a:ln>
-        </p:spPr>
-      </p:pic>
-    </p:spTree>
-  </p:cSld>
-  <p:clrMapOvr>
-    <a:masterClrMapping/>
-  </p:clrMapOvr>
 </p:sld>
 </file>
 
@@ -13625,7 +13637,7 @@
   <p:cSld>
     <p:spTree>
       <p:nvGrpSpPr>
-        <p:cNvPr id="250" name="Shape 250"/>
+        <p:cNvPr id="246" name="Shape 246"/>
         <p:cNvGrpSpPr/>
         <p:nvPr/>
       </p:nvGrpSpPr>
@@ -13639,47 +13651,7 @@
       </p:grpSpPr>
       <p:sp>
         <p:nvSpPr>
-          <p:cNvPr id="251" name="Google Shape;251;p42"/>
-          <p:cNvSpPr txBox="1"/>
-          <p:nvPr>
-            <p:ph type="title"/>
-          </p:nvPr>
-        </p:nvSpPr>
-        <p:spPr>
-          <a:xfrm>
-            <a:off x="311700" y="445025"/>
-            <a:ext cx="8520600" cy="613200"/>
-          </a:xfrm>
-          <a:prstGeom prst="rect">
-            <a:avLst/>
-          </a:prstGeom>
-        </p:spPr>
-        <p:txBody>
-          <a:bodyPr anchorCtr="0" anchor="t" bIns="91425" lIns="91425" spcFirstLastPara="1" rIns="91425" wrap="square" tIns="91425">
-            <a:normAutofit fontScale="90000"/>
-          </a:bodyPr>
-          <a:lstStyle/>
-          <a:p>
-            <a:pPr indent="0" lvl="0" marL="0" rtl="0" algn="l">
-              <a:spcBef>
-                <a:spcPts val="0"/>
-              </a:spcBef>
-              <a:spcAft>
-                <a:spcPts val="0"/>
-              </a:spcAft>
-              <a:buNone/>
-            </a:pPr>
-            <a:r>
-              <a:rPr lang="en"/>
-              <a:t>Conclusion</a:t>
-            </a:r>
-            <a:endParaRPr/>
-          </a:p>
-        </p:txBody>
-      </p:sp>
-      <p:sp>
-        <p:nvSpPr>
-          <p:cNvPr id="252" name="Google Shape;252;p42"/>
+          <p:cNvPr id="247" name="Google Shape;247;p42"/>
           <p:cNvSpPr txBox="1"/>
           <p:nvPr>
             <p:ph idx="1" type="body"/>
@@ -13687,7 +13659,7 @@
         </p:nvSpPr>
         <p:spPr>
           <a:xfrm>
-            <a:off x="311700" y="1171600"/>
+            <a:off x="47050" y="1171600"/>
             <a:ext cx="8520600" cy="3397200"/>
           </a:xfrm>
           <a:prstGeom prst="rect">
@@ -13711,7 +13683,7 @@
             </a:pPr>
             <a:r>
               <a:rPr lang="en"/>
-              <a:t>Used various techniques to ensure our data is clean</a:t>
+              <a:t>KNeighborsRegressor</a:t>
             </a:r>
             <a:endParaRPr/>
           </a:p>
@@ -13721,50 +13693,50 @@
                 <a:spcPts val="1200"/>
               </a:spcBef>
               <a:spcAft>
-                <a:spcPts val="0"/>
+                <a:spcPts val="1200"/>
               </a:spcAft>
               <a:buNone/>
             </a:pPr>
             <a:r>
               <a:rPr lang="en"/>
-              <a:t>We made decisions about dropping a column by analysing values in those columns</a:t>
+              <a:t>R2_score: </a:t>
+            </a:r>
+            <a:r>
+              <a:rPr lang="en"/>
+              <a:t>-0.117315</a:t>
             </a:r>
             <a:endParaRPr/>
           </a:p>
-          <a:p>
-            <a:pPr indent="0" lvl="0" marL="0" rtl="0" algn="l">
-              <a:spcBef>
-                <a:spcPts val="1200"/>
-              </a:spcBef>
-              <a:spcAft>
-                <a:spcPts val="0"/>
-              </a:spcAft>
-              <a:buNone/>
-            </a:pPr>
-            <a:r>
-              <a:rPr lang="en"/>
-              <a:t>Focused on providing various charts and figures for better understanding</a:t>
-            </a:r>
-            <a:endParaRPr/>
-          </a:p>
-          <a:p>
-            <a:pPr indent="0" lvl="0" marL="0" rtl="0" algn="l">
-              <a:spcBef>
-                <a:spcPts val="1200"/>
-              </a:spcBef>
-              <a:spcAft>
-                <a:spcPts val="1200"/>
-              </a:spcAft>
-              <a:buNone/>
-            </a:pPr>
-            <a:r>
-              <a:rPr lang="en"/>
-              <a:t>Implemented LinearRegression , Ridge Regression, XGB Regression, Lasso Regression. </a:t>
-            </a:r>
-            <a:endParaRPr/>
-          </a:p>
         </p:txBody>
       </p:sp>
+      <p:pic>
+        <p:nvPicPr>
+          <p:cNvPr id="248" name="Google Shape;248;p42"/>
+          <p:cNvPicPr preferRelativeResize="0"/>
+          <p:nvPr/>
+        </p:nvPicPr>
+        <p:blipFill>
+          <a:blip r:embed="rId3">
+            <a:alphaModFix/>
+          </a:blip>
+          <a:stretch>
+            <a:fillRect/>
+          </a:stretch>
+        </p:blipFill>
+        <p:spPr>
+          <a:xfrm>
+            <a:off x="2750075" y="241625"/>
+            <a:ext cx="6037200" cy="4082000"/>
+          </a:xfrm>
+          <a:prstGeom prst="rect">
+            <a:avLst/>
+          </a:prstGeom>
+          <a:noFill/>
+          <a:ln>
+            <a:noFill/>
+          </a:ln>
+        </p:spPr>
+      </p:pic>
     </p:spTree>
   </p:cSld>
   <p:clrMapOvr>
@@ -13778,7 +13750,7 @@
   <p:cSld>
     <p:spTree>
       <p:nvGrpSpPr>
-        <p:cNvPr id="256" name="Shape 256"/>
+        <p:cNvPr id="252" name="Shape 252"/>
         <p:cNvGrpSpPr/>
         <p:nvPr/>
       </p:nvGrpSpPr>
@@ -13792,7 +13764,320 @@
       </p:grpSpPr>
       <p:sp>
         <p:nvSpPr>
-          <p:cNvPr id="257" name="Google Shape;257;p43"/>
+          <p:cNvPr id="253" name="Google Shape;253;p43"/>
+          <p:cNvSpPr txBox="1"/>
+          <p:nvPr>
+            <p:ph idx="1" type="body"/>
+          </p:nvPr>
+        </p:nvSpPr>
+        <p:spPr>
+          <a:xfrm>
+            <a:off x="0" y="1160100"/>
+            <a:ext cx="8520600" cy="3397200"/>
+          </a:xfrm>
+          <a:prstGeom prst="rect">
+            <a:avLst/>
+          </a:prstGeom>
+        </p:spPr>
+        <p:txBody>
+          <a:bodyPr anchorCtr="0" anchor="t" bIns="91425" lIns="91425" spcFirstLastPara="1" rIns="91425" wrap="square" tIns="91425">
+            <a:normAutofit/>
+          </a:bodyPr>
+          <a:lstStyle/>
+          <a:p>
+            <a:pPr indent="0" lvl="0" marL="0" rtl="0" algn="l">
+              <a:spcBef>
+                <a:spcPts val="0"/>
+              </a:spcBef>
+              <a:spcAft>
+                <a:spcPts val="0"/>
+              </a:spcAft>
+              <a:buNone/>
+            </a:pPr>
+            <a:r>
+              <a:rPr lang="en"/>
+              <a:t>Polynomial Features ,</a:t>
+            </a:r>
+            <a:endParaRPr/>
+          </a:p>
+          <a:p>
+            <a:pPr indent="0" lvl="0" marL="0" rtl="0" algn="l">
+              <a:spcBef>
+                <a:spcPts val="1200"/>
+              </a:spcBef>
+              <a:spcAft>
+                <a:spcPts val="0"/>
+              </a:spcAft>
+              <a:buNone/>
+            </a:pPr>
+            <a:r>
+              <a:rPr lang="en"/>
+              <a:t>degree = 3,</a:t>
+            </a:r>
+            <a:endParaRPr/>
+          </a:p>
+          <a:p>
+            <a:pPr indent="0" lvl="0" marL="0" rtl="0" algn="l">
+              <a:spcBef>
+                <a:spcPts val="1200"/>
+              </a:spcBef>
+              <a:spcAft>
+                <a:spcPts val="0"/>
+              </a:spcAft>
+              <a:buNone/>
+            </a:pPr>
+            <a:r>
+              <a:rPr lang="en"/>
+              <a:t>Linear Re</a:t>
+            </a:r>
+            <a:r>
+              <a:rPr lang="en"/>
+              <a:t>gression</a:t>
+            </a:r>
+            <a:endParaRPr/>
+          </a:p>
+          <a:p>
+            <a:pPr indent="0" lvl="0" marL="0" rtl="0" algn="l">
+              <a:spcBef>
+                <a:spcPts val="1200"/>
+              </a:spcBef>
+              <a:spcAft>
+                <a:spcPts val="0"/>
+              </a:spcAft>
+              <a:buNone/>
+            </a:pPr>
+            <a:r>
+              <a:rPr lang="en"/>
+              <a:t>R2_score: -229.904998</a:t>
+            </a:r>
+            <a:endParaRPr/>
+          </a:p>
+          <a:p>
+            <a:pPr indent="0" lvl="0" marL="0" rtl="0" algn="l">
+              <a:spcBef>
+                <a:spcPts val="1200"/>
+              </a:spcBef>
+              <a:spcAft>
+                <a:spcPts val="1200"/>
+              </a:spcAft>
+              <a:buNone/>
+            </a:pPr>
+            <a:r>
+              <a:t/>
+            </a:r>
+            <a:endParaRPr/>
+          </a:p>
+        </p:txBody>
+      </p:sp>
+      <p:pic>
+        <p:nvPicPr>
+          <p:cNvPr id="254" name="Google Shape;254;p43"/>
+          <p:cNvPicPr preferRelativeResize="0"/>
+          <p:nvPr/>
+        </p:nvPicPr>
+        <p:blipFill>
+          <a:blip r:embed="rId3">
+            <a:alphaModFix/>
+          </a:blip>
+          <a:stretch>
+            <a:fillRect/>
+          </a:stretch>
+        </p:blipFill>
+        <p:spPr>
+          <a:xfrm>
+            <a:off x="2710225" y="333703"/>
+            <a:ext cx="6352225" cy="4294975"/>
+          </a:xfrm>
+          <a:prstGeom prst="rect">
+            <a:avLst/>
+          </a:prstGeom>
+          <a:noFill/>
+          <a:ln>
+            <a:noFill/>
+          </a:ln>
+        </p:spPr>
+      </p:pic>
+    </p:spTree>
+  </p:cSld>
+  <p:clrMapOvr>
+    <a:masterClrMapping/>
+  </p:clrMapOvr>
+</p:sld>
+</file>
+
+<file path=ppt/slides/slide32.xml><?xml version="1.0" encoding="utf-8"?>
+<p:sld xmlns:a="http://schemas.openxmlformats.org/drawingml/2006/main" xmlns:r="http://schemas.openxmlformats.org/officeDocument/2006/relationships" xmlns:mc="http://schemas.openxmlformats.org/markup-compatibility/2006" xmlns:mv="urn:schemas-microsoft-com:mac:vml" xmlns:p="http://schemas.openxmlformats.org/presentationml/2006/main" xmlns:c="http://schemas.openxmlformats.org/drawingml/2006/chart" xmlns:dgm="http://schemas.openxmlformats.org/drawingml/2006/diagram" xmlns:o="urn:schemas-microsoft-com:office:office" xmlns:v="urn:schemas-microsoft-com:vml" xmlns:pvml="urn:schemas-microsoft-com:office:powerpoint" xmlns:com="http://schemas.openxmlformats.org/drawingml/2006/compatibility" xmlns:p14="http://schemas.microsoft.com/office/powerpoint/2010/main" xmlns:p15="http://schemas.microsoft.com/office/powerpoint/2012/main" xmlns:ahyp="http://schemas.microsoft.com/office/drawing/2018/hyperlinkcolor">
+  <p:cSld>
+    <p:spTree>
+      <p:nvGrpSpPr>
+        <p:cNvPr id="258" name="Shape 258"/>
+        <p:cNvGrpSpPr/>
+        <p:nvPr/>
+      </p:nvGrpSpPr>
+      <p:grpSpPr>
+        <a:xfrm>
+          <a:off x="0" y="0"/>
+          <a:ext cx="0" cy="0"/>
+          <a:chOff x="0" y="0"/>
+          <a:chExt cx="0" cy="0"/>
+        </a:xfrm>
+      </p:grpSpPr>
+      <p:sp>
+        <p:nvSpPr>
+          <p:cNvPr id="259" name="Google Shape;259;p44"/>
+          <p:cNvSpPr txBox="1"/>
+          <p:nvPr>
+            <p:ph type="title"/>
+          </p:nvPr>
+        </p:nvSpPr>
+        <p:spPr>
+          <a:xfrm>
+            <a:off x="311700" y="445025"/>
+            <a:ext cx="8520600" cy="613200"/>
+          </a:xfrm>
+          <a:prstGeom prst="rect">
+            <a:avLst/>
+          </a:prstGeom>
+        </p:spPr>
+        <p:txBody>
+          <a:bodyPr anchorCtr="0" anchor="t" bIns="91425" lIns="91425" spcFirstLastPara="1" rIns="91425" wrap="square" tIns="91425">
+            <a:normAutofit fontScale="90000"/>
+          </a:bodyPr>
+          <a:lstStyle/>
+          <a:p>
+            <a:pPr indent="0" lvl="0" marL="0" rtl="0" algn="l">
+              <a:spcBef>
+                <a:spcPts val="0"/>
+              </a:spcBef>
+              <a:spcAft>
+                <a:spcPts val="0"/>
+              </a:spcAft>
+              <a:buNone/>
+            </a:pPr>
+            <a:r>
+              <a:rPr lang="en"/>
+              <a:t>Conclusion</a:t>
+            </a:r>
+            <a:endParaRPr/>
+          </a:p>
+        </p:txBody>
+      </p:sp>
+      <p:sp>
+        <p:nvSpPr>
+          <p:cNvPr id="260" name="Google Shape;260;p44"/>
+          <p:cNvSpPr txBox="1"/>
+          <p:nvPr>
+            <p:ph idx="1" type="body"/>
+          </p:nvPr>
+        </p:nvSpPr>
+        <p:spPr>
+          <a:xfrm>
+            <a:off x="311700" y="1171600"/>
+            <a:ext cx="8520600" cy="3397200"/>
+          </a:xfrm>
+          <a:prstGeom prst="rect">
+            <a:avLst/>
+          </a:prstGeom>
+        </p:spPr>
+        <p:txBody>
+          <a:bodyPr anchorCtr="0" anchor="t" bIns="91425" lIns="91425" spcFirstLastPara="1" rIns="91425" wrap="square" tIns="91425">
+            <a:normAutofit/>
+          </a:bodyPr>
+          <a:lstStyle/>
+          <a:p>
+            <a:pPr indent="0" lvl="0" marL="0" rtl="0" algn="l">
+              <a:spcBef>
+                <a:spcPts val="0"/>
+              </a:spcBef>
+              <a:spcAft>
+                <a:spcPts val="0"/>
+              </a:spcAft>
+              <a:buNone/>
+            </a:pPr>
+            <a:r>
+              <a:rPr lang="en"/>
+              <a:t>Used various techniques to ensure our data is clean</a:t>
+            </a:r>
+            <a:endParaRPr/>
+          </a:p>
+          <a:p>
+            <a:pPr indent="0" lvl="0" marL="0" rtl="0" algn="l">
+              <a:spcBef>
+                <a:spcPts val="1200"/>
+              </a:spcBef>
+              <a:spcAft>
+                <a:spcPts val="0"/>
+              </a:spcAft>
+              <a:buNone/>
+            </a:pPr>
+            <a:r>
+              <a:rPr lang="en"/>
+              <a:t>We made decisions about dropping a column by analysing values in those columns</a:t>
+            </a:r>
+            <a:endParaRPr/>
+          </a:p>
+          <a:p>
+            <a:pPr indent="0" lvl="0" marL="0" rtl="0" algn="l">
+              <a:spcBef>
+                <a:spcPts val="1200"/>
+              </a:spcBef>
+              <a:spcAft>
+                <a:spcPts val="0"/>
+              </a:spcAft>
+              <a:buNone/>
+            </a:pPr>
+            <a:r>
+              <a:rPr lang="en"/>
+              <a:t>Focused on providing various charts and figures for better understanding</a:t>
+            </a:r>
+            <a:endParaRPr/>
+          </a:p>
+          <a:p>
+            <a:pPr indent="0" lvl="0" marL="0" rtl="0" algn="l">
+              <a:spcBef>
+                <a:spcPts val="1200"/>
+              </a:spcBef>
+              <a:spcAft>
+                <a:spcPts val="1200"/>
+              </a:spcAft>
+              <a:buNone/>
+            </a:pPr>
+            <a:r>
+              <a:rPr lang="en"/>
+              <a:t>Implemented LinearRegression , Ridge Regression, XGB Regression, Lasso Regression, RandomForestRegressor, KNeighborsRegressor, Polynomial Transformation with Linear Regression</a:t>
+            </a:r>
+            <a:endParaRPr/>
+          </a:p>
+        </p:txBody>
+      </p:sp>
+    </p:spTree>
+  </p:cSld>
+  <p:clrMapOvr>
+    <a:masterClrMapping/>
+  </p:clrMapOvr>
+</p:sld>
+</file>
+
+<file path=ppt/slides/slide33.xml><?xml version="1.0" encoding="utf-8"?>
+<p:sld xmlns:a="http://schemas.openxmlformats.org/drawingml/2006/main" xmlns:r="http://schemas.openxmlformats.org/officeDocument/2006/relationships" xmlns:mc="http://schemas.openxmlformats.org/markup-compatibility/2006" xmlns:mv="urn:schemas-microsoft-com:mac:vml" xmlns:p="http://schemas.openxmlformats.org/presentationml/2006/main" xmlns:c="http://schemas.openxmlformats.org/drawingml/2006/chart" xmlns:dgm="http://schemas.openxmlformats.org/drawingml/2006/diagram" xmlns:o="urn:schemas-microsoft-com:office:office" xmlns:v="urn:schemas-microsoft-com:vml" xmlns:pvml="urn:schemas-microsoft-com:office:powerpoint" xmlns:com="http://schemas.openxmlformats.org/drawingml/2006/compatibility" xmlns:p14="http://schemas.microsoft.com/office/powerpoint/2010/main" xmlns:p15="http://schemas.microsoft.com/office/powerpoint/2012/main" xmlns:ahyp="http://schemas.microsoft.com/office/drawing/2018/hyperlinkcolor">
+  <p:cSld>
+    <p:spTree>
+      <p:nvGrpSpPr>
+        <p:cNvPr id="264" name="Shape 264"/>
+        <p:cNvGrpSpPr/>
+        <p:nvPr/>
+      </p:nvGrpSpPr>
+      <p:grpSpPr>
+        <a:xfrm>
+          <a:off x="0" y="0"/>
+          <a:ext cx="0" cy="0"/>
+          <a:chOff x="0" y="0"/>
+          <a:chExt cx="0" cy="0"/>
+        </a:xfrm>
+      </p:grpSpPr>
+      <p:sp>
+        <p:nvSpPr>
+          <p:cNvPr id="265" name="Google Shape;265;p45"/>
           <p:cNvSpPr txBox="1"/>
           <p:nvPr>
             <p:ph idx="1" type="body"/>
@@ -14357,7 +14642,7 @@
         </p:nvSpPr>
         <p:spPr>
           <a:xfrm>
-            <a:off x="311700" y="445025"/>
+            <a:off x="311700" y="111325"/>
             <a:ext cx="8520600" cy="613200"/>
           </a:xfrm>
           <a:prstGeom prst="rect">
@@ -14395,7 +14680,7 @@
         </p:nvSpPr>
         <p:spPr>
           <a:xfrm>
-            <a:off x="406650" y="4099425"/>
+            <a:off x="383650" y="4513675"/>
             <a:ext cx="6660300" cy="431100"/>
           </a:xfrm>
           <a:prstGeom prst="rect">
@@ -14473,8 +14758,8 @@
         </p:blipFill>
         <p:spPr>
           <a:xfrm>
-            <a:off x="152400" y="1210625"/>
-            <a:ext cx="8839201" cy="2723601"/>
+            <a:off x="1636775" y="876925"/>
+            <a:ext cx="5551650" cy="3484351"/>
           </a:xfrm>
           <a:prstGeom prst="rect">
             <a:avLst/>
@@ -14544,7 +14829,7 @@
             </a:pPr>
             <a:r>
               <a:rPr b="1" lang="en"/>
-              <a:t>Count V/s Transmission</a:t>
+              <a:t>Transmission V/s Count</a:t>
             </a:r>
             <a:endParaRPr b="1"/>
           </a:p>
@@ -14589,9 +14874,79 @@
           </a:p>
         </p:txBody>
       </p:sp>
+      <p:sp>
+        <p:nvSpPr>
+          <p:cNvPr id="103" name="Google Shape;103;p20"/>
+          <p:cNvSpPr txBox="1"/>
+          <p:nvPr/>
+        </p:nvSpPr>
+        <p:spPr>
+          <a:xfrm>
+            <a:off x="6165600" y="1428750"/>
+            <a:ext cx="2505900" cy="1939500"/>
+          </a:xfrm>
+          <a:prstGeom prst="rect">
+            <a:avLst/>
+          </a:prstGeom>
+          <a:noFill/>
+          <a:ln>
+            <a:noFill/>
+          </a:ln>
+        </p:spPr>
+        <p:txBody>
+          <a:bodyPr anchorCtr="0" anchor="t" bIns="91425" lIns="91425" spcFirstLastPara="1" rIns="91425" wrap="square" tIns="91425">
+            <a:spAutoFit/>
+          </a:bodyPr>
+          <a:lstStyle/>
+          <a:p>
+            <a:pPr indent="0" lvl="0" marL="0" rtl="0" algn="l">
+              <a:spcBef>
+                <a:spcPts val="0"/>
+              </a:spcBef>
+              <a:spcAft>
+                <a:spcPts val="0"/>
+              </a:spcAft>
+              <a:buNone/>
+            </a:pPr>
+            <a:r>
+              <a:rPr lang="en" sz="1900">
+                <a:latin typeface="Old Standard TT"/>
+                <a:ea typeface="Old Standard TT"/>
+                <a:cs typeface="Old Standard TT"/>
+                <a:sym typeface="Old Standard TT"/>
+              </a:rPr>
+              <a:t>We can see that automatic cars are more </a:t>
+            </a:r>
+            <a:r>
+              <a:rPr lang="en" sz="1900">
+                <a:latin typeface="Old Standard TT"/>
+                <a:ea typeface="Old Standard TT"/>
+                <a:cs typeface="Old Standard TT"/>
+                <a:sym typeface="Old Standard TT"/>
+              </a:rPr>
+              <a:t>preferred</a:t>
+            </a:r>
+            <a:r>
+              <a:rPr lang="en" sz="1900">
+                <a:latin typeface="Old Standard TT"/>
+                <a:ea typeface="Old Standard TT"/>
+                <a:cs typeface="Old Standard TT"/>
+                <a:sym typeface="Old Standard TT"/>
+              </a:rPr>
+              <a:t> by the people rather than manual and electric cars</a:t>
+            </a:r>
+            <a:endParaRPr sz="1900">
+              <a:latin typeface="Old Standard TT"/>
+              <a:ea typeface="Old Standard TT"/>
+              <a:cs typeface="Old Standard TT"/>
+              <a:sym typeface="Old Standard TT"/>
+            </a:endParaRPr>
+          </a:p>
+        </p:txBody>
+      </p:sp>
       <p:pic>
         <p:nvPicPr>
-          <p:cNvPr id="103" name="Google Shape;103;p20"/>
+          <p:cNvPr id="104" name="Google Shape;104;p20"/>
           <p:cNvPicPr preferRelativeResize="0"/>
           <p:nvPr/>
         </p:nvPicPr>
@@ -14605,8 +14960,8 @@
         </p:blipFill>
         <p:spPr>
           <a:xfrm>
-            <a:off x="311694" y="1171601"/>
-            <a:ext cx="5637706" cy="3054175"/>
+            <a:off x="311688" y="1171600"/>
+            <a:ext cx="5305425" cy="3448050"/>
           </a:xfrm>
           <a:prstGeom prst="rect">
             <a:avLst/>
@@ -14617,76 +14972,6 @@
           </a:ln>
         </p:spPr>
       </p:pic>
-      <p:sp>
-        <p:nvSpPr>
-          <p:cNvPr id="104" name="Google Shape;104;p20"/>
-          <p:cNvSpPr txBox="1"/>
-          <p:nvPr/>
-        </p:nvSpPr>
-        <p:spPr>
-          <a:xfrm>
-            <a:off x="6165600" y="1428750"/>
-            <a:ext cx="2505900" cy="1939500"/>
-          </a:xfrm>
-          <a:prstGeom prst="rect">
-            <a:avLst/>
-          </a:prstGeom>
-          <a:noFill/>
-          <a:ln>
-            <a:noFill/>
-          </a:ln>
-        </p:spPr>
-        <p:txBody>
-          <a:bodyPr anchorCtr="0" anchor="t" bIns="91425" lIns="91425" spcFirstLastPara="1" rIns="91425" wrap="square" tIns="91425">
-            <a:spAutoFit/>
-          </a:bodyPr>
-          <a:lstStyle/>
-          <a:p>
-            <a:pPr indent="0" lvl="0" marL="0" rtl="0" algn="l">
-              <a:spcBef>
-                <a:spcPts val="0"/>
-              </a:spcBef>
-              <a:spcAft>
-                <a:spcPts val="0"/>
-              </a:spcAft>
-              <a:buNone/>
-            </a:pPr>
-            <a:r>
-              <a:rPr lang="en" sz="1900">
-                <a:latin typeface="Old Standard TT"/>
-                <a:ea typeface="Old Standard TT"/>
-                <a:cs typeface="Old Standard TT"/>
-                <a:sym typeface="Old Standard TT"/>
-              </a:rPr>
-              <a:t>We can see that automatic cars are more </a:t>
-            </a:r>
-            <a:r>
-              <a:rPr lang="en" sz="1900">
-                <a:latin typeface="Old Standard TT"/>
-                <a:ea typeface="Old Standard TT"/>
-                <a:cs typeface="Old Standard TT"/>
-                <a:sym typeface="Old Standard TT"/>
-              </a:rPr>
-              <a:t>preferred</a:t>
-            </a:r>
-            <a:r>
-              <a:rPr lang="en" sz="1900">
-                <a:latin typeface="Old Standard TT"/>
-                <a:ea typeface="Old Standard TT"/>
-                <a:cs typeface="Old Standard TT"/>
-                <a:sym typeface="Old Standard TT"/>
-              </a:rPr>
-              <a:t> by the people rather than manual and electric cars</a:t>
-            </a:r>
-            <a:endParaRPr sz="1900">
-              <a:latin typeface="Old Standard TT"/>
-              <a:ea typeface="Old Standard TT"/>
-              <a:cs typeface="Old Standard TT"/>
-              <a:sym typeface="Old Standard TT"/>
-            </a:endParaRPr>
-          </a:p>
-        </p:txBody>
-      </p:sp>
     </p:spTree>
   </p:cSld>
   <p:clrMapOvr>
@@ -14747,7 +15032,7 @@
             </a:pPr>
             <a:r>
               <a:rPr b="1" lang="en" sz="2900"/>
-              <a:t>Count v/s Drive</a:t>
+              <a:t>Drive V/s Count</a:t>
             </a:r>
             <a:endParaRPr b="1" sz="2900"/>
           </a:p>
@@ -14792,9 +15077,79 @@
           </a:p>
         </p:txBody>
       </p:sp>
+      <p:sp>
+        <p:nvSpPr>
+          <p:cNvPr id="111" name="Google Shape;111;p21"/>
+          <p:cNvSpPr txBox="1"/>
+          <p:nvPr/>
+        </p:nvSpPr>
+        <p:spPr>
+          <a:xfrm>
+            <a:off x="6275500" y="1461725"/>
+            <a:ext cx="2330100" cy="615600"/>
+          </a:xfrm>
+          <a:prstGeom prst="rect">
+            <a:avLst/>
+          </a:prstGeom>
+          <a:noFill/>
+          <a:ln>
+            <a:noFill/>
+          </a:ln>
+        </p:spPr>
+        <p:txBody>
+          <a:bodyPr anchorCtr="0" anchor="t" bIns="91425" lIns="91425" spcFirstLastPara="1" rIns="91425" wrap="square" tIns="91425">
+            <a:spAutoFit/>
+          </a:bodyPr>
+          <a:lstStyle/>
+          <a:p>
+            <a:pPr indent="0" lvl="0" marL="0" rtl="0" algn="l">
+              <a:spcBef>
+                <a:spcPts val="0"/>
+              </a:spcBef>
+              <a:spcAft>
+                <a:spcPts val="0"/>
+              </a:spcAft>
+              <a:buNone/>
+            </a:pPr>
+            <a:r>
+              <a:rPr lang="en">
+                <a:latin typeface="Old Standard TT"/>
+                <a:ea typeface="Old Standard TT"/>
+                <a:cs typeface="Old Standard TT"/>
+                <a:sym typeface="Old Standard TT"/>
+              </a:rPr>
+              <a:t>4 wheel-drive  </a:t>
+            </a:r>
+            <a:r>
+              <a:rPr lang="en">
+                <a:latin typeface="Old Standard TT"/>
+                <a:ea typeface="Old Standard TT"/>
+                <a:cs typeface="Old Standard TT"/>
+                <a:sym typeface="Old Standard TT"/>
+              </a:rPr>
+              <a:t>drive</a:t>
+            </a:r>
+            <a:r>
+              <a:rPr lang="en">
+                <a:latin typeface="Old Standard TT"/>
+                <a:ea typeface="Old Standard TT"/>
+                <a:cs typeface="Old Standard TT"/>
+                <a:sym typeface="Old Standard TT"/>
+              </a:rPr>
+              <a:t> cars are listed more for reselling </a:t>
+            </a:r>
+            <a:endParaRPr>
+              <a:latin typeface="Old Standard TT"/>
+              <a:ea typeface="Old Standard TT"/>
+              <a:cs typeface="Old Standard TT"/>
+              <a:sym typeface="Old Standard TT"/>
+            </a:endParaRPr>
+          </a:p>
+        </p:txBody>
+      </p:sp>
       <p:pic>
         <p:nvPicPr>
-          <p:cNvPr id="111" name="Google Shape;111;p21"/>
+          <p:cNvPr id="112" name="Google Shape;112;p21"/>
           <p:cNvPicPr preferRelativeResize="0"/>
           <p:nvPr/>
         </p:nvPicPr>
@@ -14808,8 +15163,8 @@
         </p:blipFill>
         <p:spPr>
           <a:xfrm>
-            <a:off x="377850" y="1252900"/>
-            <a:ext cx="5403100" cy="3246950"/>
+            <a:off x="311688" y="1171600"/>
+            <a:ext cx="5305425" cy="3448050"/>
           </a:xfrm>
           <a:prstGeom prst="rect">
             <a:avLst/>
@@ -14820,76 +15175,6 @@
           </a:ln>
         </p:spPr>
       </p:pic>
-      <p:sp>
-        <p:nvSpPr>
-          <p:cNvPr id="112" name="Google Shape;112;p21"/>
-          <p:cNvSpPr txBox="1"/>
-          <p:nvPr/>
-        </p:nvSpPr>
-        <p:spPr>
-          <a:xfrm>
-            <a:off x="6275500" y="1461725"/>
-            <a:ext cx="2330100" cy="615600"/>
-          </a:xfrm>
-          <a:prstGeom prst="rect">
-            <a:avLst/>
-          </a:prstGeom>
-          <a:noFill/>
-          <a:ln>
-            <a:noFill/>
-          </a:ln>
-        </p:spPr>
-        <p:txBody>
-          <a:bodyPr anchorCtr="0" anchor="t" bIns="91425" lIns="91425" spcFirstLastPara="1" rIns="91425" wrap="square" tIns="91425">
-            <a:spAutoFit/>
-          </a:bodyPr>
-          <a:lstStyle/>
-          <a:p>
-            <a:pPr indent="0" lvl="0" marL="0" rtl="0" algn="l">
-              <a:spcBef>
-                <a:spcPts val="0"/>
-              </a:spcBef>
-              <a:spcAft>
-                <a:spcPts val="0"/>
-              </a:spcAft>
-              <a:buNone/>
-            </a:pPr>
-            <a:r>
-              <a:rPr lang="en">
-                <a:latin typeface="Old Standard TT"/>
-                <a:ea typeface="Old Standard TT"/>
-                <a:cs typeface="Old Standard TT"/>
-                <a:sym typeface="Old Standard TT"/>
-              </a:rPr>
-              <a:t>4 wheel-drive  </a:t>
-            </a:r>
-            <a:r>
-              <a:rPr lang="en">
-                <a:latin typeface="Old Standard TT"/>
-                <a:ea typeface="Old Standard TT"/>
-                <a:cs typeface="Old Standard TT"/>
-                <a:sym typeface="Old Standard TT"/>
-              </a:rPr>
-              <a:t>drive</a:t>
-            </a:r>
-            <a:r>
-              <a:rPr lang="en">
-                <a:latin typeface="Old Standard TT"/>
-                <a:ea typeface="Old Standard TT"/>
-                <a:cs typeface="Old Standard TT"/>
-                <a:sym typeface="Old Standard TT"/>
-              </a:rPr>
-              <a:t> cars are listed more for reselling </a:t>
-            </a:r>
-            <a:endParaRPr>
-              <a:latin typeface="Old Standard TT"/>
-              <a:ea typeface="Old Standard TT"/>
-              <a:cs typeface="Old Standard TT"/>
-              <a:sym typeface="Old Standard TT"/>
-            </a:endParaRPr>
-          </a:p>
-        </p:txBody>
-      </p:sp>
     </p:spTree>
   </p:cSld>
   <p:clrMapOvr>
@@ -14899,6 +15184,285 @@
 </file>
 
 <file path=ppt/theme/theme1.xml><?xml version="1.0" encoding="utf-8"?>
+<a:theme xmlns:a="http://schemas.openxmlformats.org/drawingml/2006/main" xmlns:r="http://schemas.openxmlformats.org/officeDocument/2006/relationships" name="Paperback">
+  <a:themeElements>
+    <a:clrScheme name="Paperback">
+      <a:dk1>
+        <a:srgbClr val="000000"/>
+      </a:dk1>
+      <a:lt1>
+        <a:srgbClr val="FFFFFF"/>
+      </a:lt1>
+      <a:dk2>
+        <a:srgbClr val="00695C"/>
+      </a:dk2>
+      <a:lt2>
+        <a:srgbClr val="26A69A"/>
+      </a:lt2>
+      <a:accent1>
+        <a:srgbClr val="FFFBF0"/>
+      </a:accent1>
+      <a:accent2>
+        <a:srgbClr val="B7B7B7"/>
+      </a:accent2>
+      <a:accent3>
+        <a:srgbClr val="FB8C00"/>
+      </a:accent3>
+      <a:accent4>
+        <a:srgbClr val="80CBC4"/>
+      </a:accent4>
+      <a:accent5>
+        <a:srgbClr val="AF4345"/>
+      </a:accent5>
+      <a:accent6>
+        <a:srgbClr val="F58F8F"/>
+      </a:accent6>
+      <a:hlink>
+        <a:srgbClr val="AF4345"/>
+      </a:hlink>
+      <a:folHlink>
+        <a:srgbClr val="AF4345"/>
+      </a:folHlink>
+    </a:clrScheme>
+    <a:fontScheme name="Office">
+      <a:majorFont>
+        <a:latin typeface="Arial"/>
+        <a:ea typeface=""/>
+        <a:cs typeface=""/>
+        <a:font script="Jpan" typeface="ＭＳ Ｐゴシック"/>
+        <a:font script="Hang" typeface="맑은 고딕"/>
+        <a:font script="Hans" typeface="宋体"/>
+        <a:font script="Hant" typeface="新細明體"/>
+        <a:font script="Arab" typeface="Times New Roman"/>
+        <a:font script="Hebr" typeface="Times New Roman"/>
+        <a:font script="Thai" typeface="Angsana New"/>
+        <a:font script="Ethi" typeface="Nyala"/>
+        <a:font script="Beng" typeface="Vrinda"/>
+        <a:font script="Gujr" typeface="Shruti"/>
+        <a:font script="Khmr" typeface="MoolBoran"/>
+        <a:font script="Knda" typeface="Tunga"/>
+        <a:font script="Guru" typeface="Raavi"/>
+        <a:font script="Cans" typeface="Euphemia"/>
+        <a:font script="Cher" typeface="Plantagenet Cherokee"/>
+        <a:font script="Yiii" typeface="Microsoft Yi Baiti"/>
+        <a:font script="Tibt" typeface="Microsoft Himalaya"/>
+        <a:font script="Thaa" typeface="MV Boli"/>
+        <a:font script="Deva" typeface="Mangal"/>
+        <a:font script="Telu" typeface="Gautami"/>
+        <a:font script="Taml" typeface="Latha"/>
+        <a:font script="Syrc" typeface="Estrangelo Edessa"/>
+        <a:font script="Orya" typeface="Kalinga"/>
+        <a:font script="Mlym" typeface="Kartika"/>
+        <a:font script="Laoo" typeface="DokChampa"/>
+        <a:font script="Sinh" typeface="Iskoola Pota"/>
+        <a:font script="Mong" typeface="Mongolian Baiti"/>
+        <a:font script="Viet" typeface="Times New Roman"/>
+        <a:font script="Uigh" typeface="Microsoft Uighur"/>
+        <a:font script="Geor" typeface="Sylfaen"/>
+      </a:majorFont>
+      <a:minorFont>
+        <a:latin typeface="Arial"/>
+        <a:ea typeface=""/>
+        <a:cs typeface=""/>
+        <a:font script="Jpan" typeface="ＭＳ Ｐゴシック"/>
+        <a:font script="Hang" typeface="맑은 고딕"/>
+        <a:font script="Hans" typeface="宋体"/>
+        <a:font script="Hant" typeface="新細明體"/>
+        <a:font script="Arab" typeface="Arial"/>
+        <a:font script="Hebr" typeface="Arial"/>
+        <a:font script="Thai" typeface="Cordia New"/>
+        <a:font script="Ethi" typeface="Nyala"/>
+        <a:font script="Beng" typeface="Vrinda"/>
+        <a:font script="Gujr" typeface="Shruti"/>
+        <a:font script="Khmr" typeface="DaunPenh"/>
+        <a:font script="Knda" typeface="Tunga"/>
+        <a:font script="Guru" typeface="Raavi"/>
+        <a:font script="Cans" typeface="Euphemia"/>
+        <a:font script="Cher" typeface="Plantagenet Cherokee"/>
+        <a:font script="Yiii" typeface="Microsoft Yi Baiti"/>
+        <a:font script="Tibt" typeface="Microsoft Himalaya"/>
+        <a:font script="Thaa" typeface="MV Boli"/>
+        <a:font script="Deva" typeface="Mangal"/>
+        <a:font script="Telu" typeface="Gautami"/>
+        <a:font script="Taml" typeface="Latha"/>
+        <a:font script="Syrc" typeface="Estrangelo Edessa"/>
+        <a:font script="Orya" typeface="Kalinga"/>
+        <a:font script="Mlym" typeface="Kartika"/>
+        <a:font script="Laoo" typeface="DokChampa"/>
+        <a:font script="Sinh" typeface="Iskoola Pota"/>
+        <a:font script="Mong" typeface="Mongolian Baiti"/>
+        <a:font script="Viet" typeface="Arial"/>
+        <a:font script="Uigh" typeface="Microsoft Uighur"/>
+        <a:font script="Geor" typeface="Sylfaen"/>
+      </a:minorFont>
+    </a:fontScheme>
+    <a:fmtScheme name="Office">
+      <a:fillStyleLst>
+        <a:solidFill>
+          <a:schemeClr val="phClr"/>
+        </a:solidFill>
+        <a:gradFill rotWithShape="1">
+          <a:gsLst>
+            <a:gs pos="0">
+              <a:schemeClr val="phClr">
+                <a:tint val="50000"/>
+                <a:satMod val="300000"/>
+              </a:schemeClr>
+            </a:gs>
+            <a:gs pos="35000">
+              <a:schemeClr val="phClr">
+                <a:tint val="37000"/>
+                <a:satMod val="300000"/>
+              </a:schemeClr>
+            </a:gs>
+            <a:gs pos="100000">
+              <a:schemeClr val="phClr">
+                <a:tint val="15000"/>
+                <a:satMod val="350000"/>
+              </a:schemeClr>
+            </a:gs>
+          </a:gsLst>
+          <a:lin ang="16200000" scaled="1"/>
+        </a:gradFill>
+        <a:gradFill rotWithShape="1">
+          <a:gsLst>
+            <a:gs pos="0">
+              <a:schemeClr val="phClr">
+                <a:tint val="100000"/>
+                <a:shade val="100000"/>
+                <a:satMod val="130000"/>
+              </a:schemeClr>
+            </a:gs>
+            <a:gs pos="100000">
+              <a:schemeClr val="phClr">
+                <a:tint val="50000"/>
+                <a:shade val="100000"/>
+                <a:satMod val="350000"/>
+              </a:schemeClr>
+            </a:gs>
+          </a:gsLst>
+          <a:lin ang="16200000" scaled="0"/>
+        </a:gradFill>
+      </a:fillStyleLst>
+      <a:lnStyleLst>
+        <a:ln w="9525" cap="flat" cmpd="sng" algn="ctr">
+          <a:solidFill>
+            <a:schemeClr val="phClr">
+              <a:shade val="95000"/>
+              <a:satMod val="105000"/>
+            </a:schemeClr>
+          </a:solidFill>
+          <a:prstDash val="solid"/>
+        </a:ln>
+        <a:ln w="25400" cap="flat" cmpd="sng" algn="ctr">
+          <a:solidFill>
+            <a:schemeClr val="phClr"/>
+          </a:solidFill>
+          <a:prstDash val="solid"/>
+        </a:ln>
+        <a:ln w="38100" cap="flat" cmpd="sng" algn="ctr">
+          <a:solidFill>
+            <a:schemeClr val="phClr"/>
+          </a:solidFill>
+          <a:prstDash val="solid"/>
+        </a:ln>
+      </a:lnStyleLst>
+      <a:effectStyleLst>
+        <a:effectStyle>
+          <a:effectLst>
+            <a:outerShdw blurRad="40000" dist="20000" dir="5400000" rotWithShape="0">
+              <a:srgbClr val="000000">
+                <a:alpha val="38000"/>
+              </a:srgbClr>
+            </a:outerShdw>
+          </a:effectLst>
+        </a:effectStyle>
+        <a:effectStyle>
+          <a:effectLst>
+            <a:outerShdw blurRad="40000" dist="23000" dir="5400000" rotWithShape="0">
+              <a:srgbClr val="000000">
+                <a:alpha val="35000"/>
+              </a:srgbClr>
+            </a:outerShdw>
+          </a:effectLst>
+        </a:effectStyle>
+        <a:effectStyle>
+          <a:effectLst>
+            <a:outerShdw blurRad="40000" dist="23000" dir="5400000" rotWithShape="0">
+              <a:srgbClr val="000000">
+                <a:alpha val="35000"/>
+              </a:srgbClr>
+            </a:outerShdw>
+          </a:effectLst>
+          <a:scene3d>
+            <a:camera prst="orthographicFront">
+              <a:rot lat="0" lon="0" rev="0"/>
+            </a:camera>
+            <a:lightRig rig="threePt" dir="t">
+              <a:rot lat="0" lon="0" rev="1200000"/>
+            </a:lightRig>
+          </a:scene3d>
+          <a:sp3d>
+            <a:bevelT w="63500" h="25400"/>
+          </a:sp3d>
+        </a:effectStyle>
+      </a:effectStyleLst>
+      <a:bgFillStyleLst>
+        <a:solidFill>
+          <a:schemeClr val="phClr"/>
+        </a:solidFill>
+        <a:gradFill rotWithShape="1">
+          <a:gsLst>
+            <a:gs pos="0">
+              <a:schemeClr val="phClr">
+                <a:tint val="40000"/>
+                <a:satMod val="350000"/>
+              </a:schemeClr>
+            </a:gs>
+            <a:gs pos="40000">
+              <a:schemeClr val="phClr">
+                <a:tint val="45000"/>
+                <a:shade val="99000"/>
+                <a:satMod val="350000"/>
+              </a:schemeClr>
+            </a:gs>
+            <a:gs pos="100000">
+              <a:schemeClr val="phClr">
+                <a:shade val="20000"/>
+                <a:satMod val="255000"/>
+              </a:schemeClr>
+            </a:gs>
+          </a:gsLst>
+          <a:path path="circle">
+            <a:fillToRect l="50000" t="-80000" r="50000" b="180000"/>
+          </a:path>
+        </a:gradFill>
+        <a:gradFill rotWithShape="1">
+          <a:gsLst>
+            <a:gs pos="0">
+              <a:schemeClr val="phClr">
+                <a:tint val="80000"/>
+                <a:satMod val="300000"/>
+              </a:schemeClr>
+            </a:gs>
+            <a:gs pos="100000">
+              <a:schemeClr val="phClr">
+                <a:shade val="30000"/>
+                <a:satMod val="200000"/>
+              </a:schemeClr>
+            </a:gs>
+          </a:gsLst>
+          <a:path path="circle">
+            <a:fillToRect l="50000" t="50000" r="50000" b="50000"/>
+          </a:path>
+        </a:gradFill>
+      </a:bgFillStyleLst>
+    </a:fmtScheme>
+  </a:themeElements>
+</a:theme>
+</file>
+
+<file path=ppt/theme/theme2.xml><?xml version="1.0" encoding="utf-8"?>
 <a:theme xmlns:a="http://schemas.openxmlformats.org/drawingml/2006/main" xmlns:r="http://schemas.openxmlformats.org/officeDocument/2006/relationships">
   <a:themeElements>
     <a:clrScheme name="Default">
@@ -15175,283 +15739,4 @@
     </a:fmtScheme>
   </a:themeElements>
 </a:theme>
-</file>
-
-<file path=ppt/theme/theme2.xml><?xml version="1.0" encoding="utf-8"?>
-<a:theme xmlns:a="http://schemas.openxmlformats.org/drawingml/2006/main" xmlns:r="http://schemas.openxmlformats.org/officeDocument/2006/relationships" name="Paperback">
-  <a:themeElements>
-    <a:clrScheme name="Paperback">
-      <a:dk1>
-        <a:srgbClr val="000000"/>
-      </a:dk1>
-      <a:lt1>
-        <a:srgbClr val="FFFFFF"/>
-      </a:lt1>
-      <a:dk2>
-        <a:srgbClr val="00695C"/>
-      </a:dk2>
-      <a:lt2>
-        <a:srgbClr val="26A69A"/>
-      </a:lt2>
-      <a:accent1>
-        <a:srgbClr val="FFFBF0"/>
-      </a:accent1>
-      <a:accent2>
-        <a:srgbClr val="B7B7B7"/>
-      </a:accent2>
-      <a:accent3>
-        <a:srgbClr val="FB8C00"/>
-      </a:accent3>
-      <a:accent4>
-        <a:srgbClr val="80CBC4"/>
-      </a:accent4>
-      <a:accent5>
-        <a:srgbClr val="AF4345"/>
-      </a:accent5>
-      <a:accent6>
-        <a:srgbClr val="F58F8F"/>
-      </a:accent6>
-      <a:hlink>
-        <a:srgbClr val="AF4345"/>
-      </a:hlink>
-      <a:folHlink>
-        <a:srgbClr val="AF4345"/>
-      </a:folHlink>
-    </a:clrScheme>
-    <a:fontScheme name="Office">
-      <a:majorFont>
-        <a:latin typeface="Arial"/>
-        <a:ea typeface=""/>
-        <a:cs typeface=""/>
-        <a:font script="Jpan" typeface="ＭＳ Ｐゴシック"/>
-        <a:font script="Hang" typeface="맑은 고딕"/>
-        <a:font script="Hans" typeface="宋体"/>
-        <a:font script="Hant" typeface="新細明體"/>
-        <a:font script="Arab" typeface="Times New Roman"/>
-        <a:font script="Hebr" typeface="Times New Roman"/>
-        <a:font script="Thai" typeface="Angsana New"/>
-        <a:font script="Ethi" typeface="Nyala"/>
-        <a:font script="Beng" typeface="Vrinda"/>
-        <a:font script="Gujr" typeface="Shruti"/>
-        <a:font script="Khmr" typeface="MoolBoran"/>
-        <a:font script="Knda" typeface="Tunga"/>
-        <a:font script="Guru" typeface="Raavi"/>
-        <a:font script="Cans" typeface="Euphemia"/>
-        <a:font script="Cher" typeface="Plantagenet Cherokee"/>
-        <a:font script="Yiii" typeface="Microsoft Yi Baiti"/>
-        <a:font script="Tibt" typeface="Microsoft Himalaya"/>
-        <a:font script="Thaa" typeface="MV Boli"/>
-        <a:font script="Deva" typeface="Mangal"/>
-        <a:font script="Telu" typeface="Gautami"/>
-        <a:font script="Taml" typeface="Latha"/>
-        <a:font script="Syrc" typeface="Estrangelo Edessa"/>
-        <a:font script="Orya" typeface="Kalinga"/>
-        <a:font script="Mlym" typeface="Kartika"/>
-        <a:font script="Laoo" typeface="DokChampa"/>
-        <a:font script="Sinh" typeface="Iskoola Pota"/>
-        <a:font script="Mong" typeface="Mongolian Baiti"/>
-        <a:font script="Viet" typeface="Times New Roman"/>
-        <a:font script="Uigh" typeface="Microsoft Uighur"/>
-        <a:font script="Geor" typeface="Sylfaen"/>
-      </a:majorFont>
-      <a:minorFont>
-        <a:latin typeface="Arial"/>
-        <a:ea typeface=""/>
-        <a:cs typeface=""/>
-        <a:font script="Jpan" typeface="ＭＳ Ｐゴシック"/>
-        <a:font script="Hang" typeface="맑은 고딕"/>
-        <a:font script="Hans" typeface="宋体"/>
-        <a:font script="Hant" typeface="新細明體"/>
-        <a:font script="Arab" typeface="Arial"/>
-        <a:font script="Hebr" typeface="Arial"/>
-        <a:font script="Thai" typeface="Cordia New"/>
-        <a:font script="Ethi" typeface="Nyala"/>
-        <a:font script="Beng" typeface="Vrinda"/>
-        <a:font script="Gujr" typeface="Shruti"/>
-        <a:font script="Khmr" typeface="DaunPenh"/>
-        <a:font script="Knda" typeface="Tunga"/>
-        <a:font script="Guru" typeface="Raavi"/>
-        <a:font script="Cans" typeface="Euphemia"/>
-        <a:font script="Cher" typeface="Plantagenet Cherokee"/>
-        <a:font script="Yiii" typeface="Microsoft Yi Baiti"/>
-        <a:font script="Tibt" typeface="Microsoft Himalaya"/>
-        <a:font script="Thaa" typeface="MV Boli"/>
-        <a:font script="Deva" typeface="Mangal"/>
-        <a:font script="Telu" typeface="Gautami"/>
-        <a:font script="Taml" typeface="Latha"/>
-        <a:font script="Syrc" typeface="Estrangelo Edessa"/>
-        <a:font script="Orya" typeface="Kalinga"/>
-        <a:font script="Mlym" typeface="Kartika"/>
-        <a:font script="Laoo" typeface="DokChampa"/>
-        <a:font script="Sinh" typeface="Iskoola Pota"/>
-        <a:font script="Mong" typeface="Mongolian Baiti"/>
-        <a:font script="Viet" typeface="Arial"/>
-        <a:font script="Uigh" typeface="Microsoft Uighur"/>
-        <a:font script="Geor" typeface="Sylfaen"/>
-      </a:minorFont>
-    </a:fontScheme>
-    <a:fmtScheme name="Office">
-      <a:fillStyleLst>
-        <a:solidFill>
-          <a:schemeClr val="phClr"/>
-        </a:solidFill>
-        <a:gradFill rotWithShape="1">
-          <a:gsLst>
-            <a:gs pos="0">
-              <a:schemeClr val="phClr">
-                <a:tint val="50000"/>
-                <a:satMod val="300000"/>
-              </a:schemeClr>
-            </a:gs>
-            <a:gs pos="35000">
-              <a:schemeClr val="phClr">
-                <a:tint val="37000"/>
-                <a:satMod val="300000"/>
-              </a:schemeClr>
-            </a:gs>
-            <a:gs pos="100000">
-              <a:schemeClr val="phClr">
-                <a:tint val="15000"/>
-                <a:satMod val="350000"/>
-              </a:schemeClr>
-            </a:gs>
-          </a:gsLst>
-          <a:lin ang="16200000" scaled="1"/>
-        </a:gradFill>
-        <a:gradFill rotWithShape="1">
-          <a:gsLst>
-            <a:gs pos="0">
-              <a:schemeClr val="phClr">
-                <a:tint val="100000"/>
-                <a:shade val="100000"/>
-                <a:satMod val="130000"/>
-              </a:schemeClr>
-            </a:gs>
-            <a:gs pos="100000">
-              <a:schemeClr val="phClr">
-                <a:tint val="50000"/>
-                <a:shade val="100000"/>
-                <a:satMod val="350000"/>
-              </a:schemeClr>
-            </a:gs>
-          </a:gsLst>
-          <a:lin ang="16200000" scaled="0"/>
-        </a:gradFill>
-      </a:fillStyleLst>
-      <a:lnStyleLst>
-        <a:ln w="9525" cap="flat" cmpd="sng" algn="ctr">
-          <a:solidFill>
-            <a:schemeClr val="phClr">
-              <a:shade val="95000"/>
-              <a:satMod val="105000"/>
-            </a:schemeClr>
-          </a:solidFill>
-          <a:prstDash val="solid"/>
-        </a:ln>
-        <a:ln w="25400" cap="flat" cmpd="sng" algn="ctr">
-          <a:solidFill>
-            <a:schemeClr val="phClr"/>
-          </a:solidFill>
-          <a:prstDash val="solid"/>
-        </a:ln>
-        <a:ln w="38100" cap="flat" cmpd="sng" algn="ctr">
-          <a:solidFill>
-            <a:schemeClr val="phClr"/>
-          </a:solidFill>
-          <a:prstDash val="solid"/>
-        </a:ln>
-      </a:lnStyleLst>
-      <a:effectStyleLst>
-        <a:effectStyle>
-          <a:effectLst>
-            <a:outerShdw blurRad="40000" dist="20000" dir="5400000" rotWithShape="0">
-              <a:srgbClr val="000000">
-                <a:alpha val="38000"/>
-              </a:srgbClr>
-            </a:outerShdw>
-          </a:effectLst>
-        </a:effectStyle>
-        <a:effectStyle>
-          <a:effectLst>
-            <a:outerShdw blurRad="40000" dist="23000" dir="5400000" rotWithShape="0">
-              <a:srgbClr val="000000">
-                <a:alpha val="35000"/>
-              </a:srgbClr>
-            </a:outerShdw>
-          </a:effectLst>
-        </a:effectStyle>
-        <a:effectStyle>
-          <a:effectLst>
-            <a:outerShdw blurRad="40000" dist="23000" dir="5400000" rotWithShape="0">
-              <a:srgbClr val="000000">
-                <a:alpha val="35000"/>
-              </a:srgbClr>
-            </a:outerShdw>
-          </a:effectLst>
-          <a:scene3d>
-            <a:camera prst="orthographicFront">
-              <a:rot lat="0" lon="0" rev="0"/>
-            </a:camera>
-            <a:lightRig rig="threePt" dir="t">
-              <a:rot lat="0" lon="0" rev="1200000"/>
-            </a:lightRig>
-          </a:scene3d>
-          <a:sp3d>
-            <a:bevelT w="63500" h="25400"/>
-          </a:sp3d>
-        </a:effectStyle>
-      </a:effectStyleLst>
-      <a:bgFillStyleLst>
-        <a:solidFill>
-          <a:schemeClr val="phClr"/>
-        </a:solidFill>
-        <a:gradFill rotWithShape="1">
-          <a:gsLst>
-            <a:gs pos="0">
-              <a:schemeClr val="phClr">
-                <a:tint val="40000"/>
-                <a:satMod val="350000"/>
-              </a:schemeClr>
-            </a:gs>
-            <a:gs pos="40000">
-              <a:schemeClr val="phClr">
-                <a:tint val="45000"/>
-                <a:shade val="99000"/>
-                <a:satMod val="350000"/>
-              </a:schemeClr>
-            </a:gs>
-            <a:gs pos="100000">
-              <a:schemeClr val="phClr">
-                <a:shade val="20000"/>
-                <a:satMod val="255000"/>
-              </a:schemeClr>
-            </a:gs>
-          </a:gsLst>
-          <a:path path="circle">
-            <a:fillToRect l="50000" t="-80000" r="50000" b="180000"/>
-          </a:path>
-        </a:gradFill>
-        <a:gradFill rotWithShape="1">
-          <a:gsLst>
-            <a:gs pos="0">
-              <a:schemeClr val="phClr">
-                <a:tint val="80000"/>
-                <a:satMod val="300000"/>
-              </a:schemeClr>
-            </a:gs>
-            <a:gs pos="100000">
-              <a:schemeClr val="phClr">
-                <a:shade val="30000"/>
-                <a:satMod val="200000"/>
-              </a:schemeClr>
-            </a:gs>
-          </a:gsLst>
-          <a:path path="circle">
-            <a:fillToRect l="50000" t="50000" r="50000" b="50000"/>
-          </a:path>
-        </a:gradFill>
-      </a:bgFillStyleLst>
-    </a:fmtScheme>
-  </a:themeElements>
-</a:theme>
 </file>